--- a/graduation_paper/开题答辩.pptx
+++ b/graduation_paper/开题答辩.pptx
@@ -5,7 +5,7 @@
     <p:sldMasterId id="2147483648" r:id="rId1"/>
   </p:sldMasterIdLst>
   <p:notesMasterIdLst>
-    <p:notesMasterId r:id="rId13"/>
+    <p:notesMasterId r:id="rId14"/>
   </p:notesMasterIdLst>
   <p:sldIdLst>
     <p:sldId id="277" r:id="rId2"/>
@@ -19,6 +19,7 @@
     <p:sldId id="279" r:id="rId10"/>
     <p:sldId id="280" r:id="rId11"/>
     <p:sldId id="281" r:id="rId12"/>
+    <p:sldId id="282" r:id="rId13"/>
   </p:sldIdLst>
   <p:sldSz cx="12192000" cy="6858000"/>
   <p:notesSz cx="6858000" cy="9144000"/>
@@ -218,7 +219,7 @@
           <a:p>
             <a:fld id="{A109EA2A-4C48-4C61-B30A-DAB1A3E93B21}" type="datetimeFigureOut">
               <a:rPr lang="zh-CN" altLang="en-US" smtClean="0"/>
-              <a:t>2018/12/3</a:t>
+              <a:t>2018/12/4</a:t>
             </a:fld>
             <a:endParaRPr lang="zh-CN" altLang="en-US"/>
           </a:p>
@@ -898,7 +899,7 @@
         <p:spPr>
           <a:xfrm>
             <a:off x="3086100" y="1657350"/>
-            <a:ext cx="5806440" cy="1077218"/>
+            <a:ext cx="6400800" cy="1077218"/>
           </a:xfrm>
           <a:prstGeom prst="rect">
             <a:avLst/>
@@ -1143,10 +1144,6 @@
               </a:rPr>
               <a:t>并行图计算系统实现</a:t>
             </a:r>
-            <a:endParaRPr kumimoji="1" lang="zh-CN" altLang="en-US" dirty="0" smtClean="0">
-              <a:latin typeface="Arial" pitchFamily="34" charset="0"/>
-              <a:ea typeface="微软雅黑" pitchFamily="34" charset="-122"/>
-            </a:endParaRPr>
           </a:p>
         </p:txBody>
       </p:sp>
@@ -1646,8 +1643,8 @@
         </p:nvSpPr>
         <p:spPr>
           <a:xfrm>
-            <a:off x="696000" y="571500"/>
-            <a:ext cx="3959860" cy="647700"/>
+            <a:off x="702244" y="617220"/>
+            <a:ext cx="2258126" cy="434340"/>
           </a:xfrm>
           <a:prstGeom prst="roundRect">
             <a:avLst/>
@@ -1696,6 +1693,522 @@
     <p:extLst>
       <p:ext uri="{BB962C8B-B14F-4D97-AF65-F5344CB8AC3E}">
         <p14:creationId xmlns:p14="http://schemas.microsoft.com/office/powerpoint/2010/main" val="664678933"/>
+      </p:ext>
+    </p:extLst>
+  </p:cSld>
+  <p:clrMapOvr>
+    <a:masterClrMapping/>
+  </p:clrMapOvr>
+  <p:timing>
+    <p:tnLst>
+      <p:par>
+        <p:cTn id="1" dur="indefinite" restart="never" nodeType="tmRoot">
+          <p:childTnLst>
+            <p:seq concurrent="1" nextAc="seek">
+              <p:cTn id="2" dur="indefinite" nodeType="mainSeq">
+                <p:childTnLst>
+                  <p:par>
+                    <p:cTn id="3" fill="hold">
+                      <p:stCondLst>
+                        <p:cond delay="indefinite"/>
+                        <p:cond evt="onBegin" delay="0">
+                          <p:tn val="2"/>
+                        </p:cond>
+                      </p:stCondLst>
+                      <p:childTnLst>
+                        <p:par>
+                          <p:cTn id="4" fill="hold">
+                            <p:stCondLst>
+                              <p:cond delay="0"/>
+                            </p:stCondLst>
+                            <p:childTnLst>
+                              <p:par>
+                                <p:cTn id="5" presetID="41" presetClass="entr" presetSubtype="0" fill="hold" grpId="2" nodeType="afterEffect">
+                                  <p:stCondLst>
+                                    <p:cond delay="0"/>
+                                  </p:stCondLst>
+                                  <p:iterate type="lt">
+                                    <p:tmPct val="10000"/>
+                                  </p:iterate>
+                                  <p:childTnLst>
+                                    <p:set>
+                                      <p:cBhvr>
+                                        <p:cTn id="6" dur="1" fill="hold">
+                                          <p:stCondLst>
+                                            <p:cond delay="0"/>
+                                          </p:stCondLst>
+                                        </p:cTn>
+                                        <p:tgtEl>
+                                          <p:spTgt spid="7"/>
+                                        </p:tgtEl>
+                                        <p:attrNameLst>
+                                          <p:attrName>style.visibility</p:attrName>
+                                        </p:attrNameLst>
+                                      </p:cBhvr>
+                                      <p:to>
+                                        <p:strVal val="visible"/>
+                                      </p:to>
+                                    </p:set>
+                                    <p:anim calcmode="lin" valueType="num">
+                                      <p:cBhvr>
+                                        <p:cTn id="7" dur="500" fill="hold"/>
+                                        <p:tgtEl>
+                                          <p:spTgt spid="7"/>
+                                        </p:tgtEl>
+                                        <p:attrNameLst>
+                                          <p:attrName>ppt_x</p:attrName>
+                                        </p:attrNameLst>
+                                      </p:cBhvr>
+                                      <p:tavLst>
+                                        <p:tav tm="0">
+                                          <p:val>
+                                            <p:strVal val="#ppt_x"/>
+                                          </p:val>
+                                        </p:tav>
+                                        <p:tav tm="50000">
+                                          <p:val>
+                                            <p:strVal val="#ppt_x+.1"/>
+                                          </p:val>
+                                        </p:tav>
+                                        <p:tav tm="100000">
+                                          <p:val>
+                                            <p:strVal val="#ppt_x"/>
+                                          </p:val>
+                                        </p:tav>
+                                      </p:tavLst>
+                                    </p:anim>
+                                    <p:anim calcmode="lin" valueType="num">
+                                      <p:cBhvr>
+                                        <p:cTn id="8" dur="500" fill="hold"/>
+                                        <p:tgtEl>
+                                          <p:spTgt spid="7"/>
+                                        </p:tgtEl>
+                                        <p:attrNameLst>
+                                          <p:attrName>ppt_y</p:attrName>
+                                        </p:attrNameLst>
+                                      </p:cBhvr>
+                                      <p:tavLst>
+                                        <p:tav tm="0">
+                                          <p:val>
+                                            <p:strVal val="#ppt_y"/>
+                                          </p:val>
+                                        </p:tav>
+                                        <p:tav tm="100000">
+                                          <p:val>
+                                            <p:strVal val="#ppt_y"/>
+                                          </p:val>
+                                        </p:tav>
+                                      </p:tavLst>
+                                    </p:anim>
+                                    <p:anim calcmode="lin" valueType="num">
+                                      <p:cBhvr>
+                                        <p:cTn id="9" dur="500" fill="hold"/>
+                                        <p:tgtEl>
+                                          <p:spTgt spid="7"/>
+                                        </p:tgtEl>
+                                        <p:attrNameLst>
+                                          <p:attrName>ppt_h</p:attrName>
+                                        </p:attrNameLst>
+                                      </p:cBhvr>
+                                      <p:tavLst>
+                                        <p:tav tm="0">
+                                          <p:val>
+                                            <p:strVal val="#ppt_h/10"/>
+                                          </p:val>
+                                        </p:tav>
+                                        <p:tav tm="50000">
+                                          <p:val>
+                                            <p:strVal val="#ppt_h+.01"/>
+                                          </p:val>
+                                        </p:tav>
+                                        <p:tav tm="100000">
+                                          <p:val>
+                                            <p:strVal val="#ppt_h"/>
+                                          </p:val>
+                                        </p:tav>
+                                      </p:tavLst>
+                                    </p:anim>
+                                    <p:anim calcmode="lin" valueType="num">
+                                      <p:cBhvr>
+                                        <p:cTn id="10" dur="500" fill="hold"/>
+                                        <p:tgtEl>
+                                          <p:spTgt spid="7"/>
+                                        </p:tgtEl>
+                                        <p:attrNameLst>
+                                          <p:attrName>ppt_w</p:attrName>
+                                        </p:attrNameLst>
+                                      </p:cBhvr>
+                                      <p:tavLst>
+                                        <p:tav tm="0">
+                                          <p:val>
+                                            <p:strVal val="#ppt_w/10"/>
+                                          </p:val>
+                                        </p:tav>
+                                        <p:tav tm="50000">
+                                          <p:val>
+                                            <p:strVal val="#ppt_w+.01"/>
+                                          </p:val>
+                                        </p:tav>
+                                        <p:tav tm="100000">
+                                          <p:val>
+                                            <p:strVal val="#ppt_w"/>
+                                          </p:val>
+                                        </p:tav>
+                                      </p:tavLst>
+                                    </p:anim>
+                                    <p:animEffect transition="in" filter="fade">
+                                      <p:cBhvr>
+                                        <p:cTn id="11" dur="500" tmFilter="0,0; .5, 1; 1, 1"/>
+                                        <p:tgtEl>
+                                          <p:spTgt spid="7"/>
+                                        </p:tgtEl>
+                                      </p:cBhvr>
+                                    </p:animEffect>
+                                  </p:childTnLst>
+                                </p:cTn>
+                              </p:par>
+                            </p:childTnLst>
+                          </p:cTn>
+                        </p:par>
+                      </p:childTnLst>
+                    </p:cTn>
+                  </p:par>
+                </p:childTnLst>
+              </p:cTn>
+              <p:prevCondLst>
+                <p:cond evt="onPrev" delay="0">
+                  <p:tgtEl>
+                    <p:sldTgt/>
+                  </p:tgtEl>
+                </p:cond>
+              </p:prevCondLst>
+              <p:nextCondLst>
+                <p:cond evt="onNext" delay="0">
+                  <p:tgtEl>
+                    <p:sldTgt/>
+                  </p:tgtEl>
+                </p:cond>
+              </p:nextCondLst>
+            </p:seq>
+          </p:childTnLst>
+        </p:cTn>
+      </p:par>
+    </p:tnLst>
+    <p:bldLst>
+      <p:bldP spid="7" grpId="0" animBg="1"/>
+      <p:bldP spid="7" grpId="1" animBg="1"/>
+      <p:bldP spid="7" grpId="2" animBg="1"/>
+    </p:bldLst>
+  </p:timing>
+</p:sld>
+</file>
+
+<file path=ppt/slides/slide12.xml><?xml version="1.0" encoding="utf-8"?>
+<p:sld xmlns:a="http://schemas.openxmlformats.org/drawingml/2006/main" xmlns:r="http://schemas.openxmlformats.org/officeDocument/2006/relationships" xmlns:p="http://schemas.openxmlformats.org/presentationml/2006/main">
+  <p:cSld>
+    <p:spTree>
+      <p:nvGrpSpPr>
+        <p:cNvPr id="1" name=""/>
+        <p:cNvGrpSpPr/>
+        <p:nvPr/>
+      </p:nvGrpSpPr>
+      <p:grpSpPr>
+        <a:xfrm>
+          <a:off x="0" y="0"/>
+          <a:ext cx="0" cy="0"/>
+          <a:chOff x="0" y="0"/>
+          <a:chExt cx="0" cy="0"/>
+        </a:xfrm>
+      </p:grpSpPr>
+      <p:sp>
+        <p:nvSpPr>
+          <p:cNvPr id="28" name="文本框 27"/>
+          <p:cNvSpPr txBox="1"/>
+          <p:nvPr/>
+        </p:nvSpPr>
+        <p:spPr>
+          <a:xfrm>
+            <a:off x="1782994" y="1527955"/>
+            <a:ext cx="9033000" cy="3693319"/>
+          </a:xfrm>
+          <a:prstGeom prst="rect">
+            <a:avLst/>
+          </a:prstGeom>
+          <a:noFill/>
+        </p:spPr>
+        <p:txBody>
+          <a:bodyPr wrap="square" rtlCol="0">
+            <a:spAutoFit/>
+          </a:bodyPr>
+          <a:lstStyle/>
+          <a:p>
+            <a:pPr marL="342900" indent="-342900">
+              <a:lnSpc>
+                <a:spcPct val="130000"/>
+              </a:lnSpc>
+              <a:buAutoNum type="arabicParenR"/>
+            </a:pPr>
+            <a:r>
+              <a:rPr lang="en-US" altLang="zh-CN" sz="2000" dirty="0" smtClean="0">
+                <a:latin typeface="Times New Roman" charset="0"/>
+                <a:ea typeface="Times New Roman" charset="0"/>
+                <a:cs typeface="Times New Roman" charset="0"/>
+              </a:rPr>
+              <a:t>1-2</a:t>
+            </a:r>
+            <a:r>
+              <a:rPr lang="zh-CN" altLang="en-US" sz="2000" dirty="0" smtClean="0">
+                <a:latin typeface="Times New Roman" charset="0"/>
+                <a:ea typeface="Times New Roman" charset="0"/>
+                <a:cs typeface="Times New Roman" charset="0"/>
+              </a:rPr>
+              <a:t> 个月的时间进行算法分类</a:t>
+            </a:r>
+            <a:endParaRPr lang="en-US" altLang="zh-CN" sz="2000" dirty="0" smtClean="0">
+              <a:latin typeface="Times New Roman" charset="0"/>
+              <a:ea typeface="Times New Roman" charset="0"/>
+              <a:cs typeface="Times New Roman" charset="0"/>
+            </a:endParaRPr>
+          </a:p>
+          <a:p>
+            <a:pPr marL="342900" indent="-342900">
+              <a:lnSpc>
+                <a:spcPct val="130000"/>
+              </a:lnSpc>
+              <a:buAutoNum type="arabicParenR"/>
+            </a:pPr>
+            <a:endParaRPr lang="en-US" altLang="zh-CN" sz="2000" dirty="0">
+              <a:latin typeface="Times New Roman" charset="0"/>
+              <a:ea typeface="Times New Roman" charset="0"/>
+              <a:cs typeface="Times New Roman" charset="0"/>
+            </a:endParaRPr>
+          </a:p>
+          <a:p>
+            <a:pPr marL="342900" indent="-342900">
+              <a:lnSpc>
+                <a:spcPct val="130000"/>
+              </a:lnSpc>
+              <a:buAutoNum type="arabicParenR"/>
+            </a:pPr>
+            <a:r>
+              <a:rPr lang="en-US" altLang="zh-CN" sz="2000" dirty="0">
+                <a:latin typeface="Times New Roman" charset="0"/>
+                <a:ea typeface="Times New Roman" charset="0"/>
+                <a:cs typeface="Times New Roman" charset="0"/>
+              </a:rPr>
+              <a:t>1</a:t>
+            </a:r>
+            <a:r>
+              <a:rPr lang="zh-CN" altLang="en-US" sz="2000" dirty="0" smtClean="0">
+                <a:latin typeface="Times New Roman" charset="0"/>
+                <a:ea typeface="Times New Roman" charset="0"/>
+                <a:cs typeface="Times New Roman" charset="0"/>
+              </a:rPr>
+              <a:t> 个月时间获取训练数据</a:t>
+            </a:r>
+            <a:r>
+              <a:rPr lang="en-US" altLang="zh-CN" sz="2000" dirty="0" smtClean="0">
+                <a:latin typeface="Times New Roman" charset="0"/>
+                <a:ea typeface="Times New Roman" charset="0"/>
+                <a:cs typeface="Times New Roman" charset="0"/>
+              </a:rPr>
+              <a:t> (</a:t>
+            </a:r>
+            <a:r>
+              <a:rPr lang="zh-CN" altLang="en-US" sz="2000" dirty="0" smtClean="0">
+                <a:latin typeface="Times New Roman" charset="0"/>
+                <a:ea typeface="Times New Roman" charset="0"/>
+                <a:cs typeface="Times New Roman" charset="0"/>
+              </a:rPr>
+              <a:t>测试数据</a:t>
+            </a:r>
+            <a:r>
+              <a:rPr lang="en-US" altLang="zh-CN" sz="2000" dirty="0" smtClean="0">
+                <a:latin typeface="Times New Roman" charset="0"/>
+                <a:ea typeface="Times New Roman" charset="0"/>
+                <a:cs typeface="Times New Roman" charset="0"/>
+              </a:rPr>
+              <a:t>)</a:t>
+            </a:r>
+          </a:p>
+          <a:p>
+            <a:pPr marL="342900" indent="-342900">
+              <a:lnSpc>
+                <a:spcPct val="130000"/>
+              </a:lnSpc>
+              <a:buAutoNum type="arabicParenR"/>
+            </a:pPr>
+            <a:endParaRPr lang="en-US" altLang="zh-CN" sz="2000" dirty="0">
+              <a:latin typeface="Times New Roman" charset="0"/>
+              <a:ea typeface="Times New Roman" charset="0"/>
+              <a:cs typeface="Times New Roman" charset="0"/>
+            </a:endParaRPr>
+          </a:p>
+          <a:p>
+            <a:pPr marL="342900" indent="-342900">
+              <a:lnSpc>
+                <a:spcPct val="130000"/>
+              </a:lnSpc>
+              <a:buAutoNum type="arabicParenR"/>
+            </a:pPr>
+            <a:r>
+              <a:rPr lang="en-US" altLang="zh-CN" sz="2000" dirty="0" smtClean="0">
+                <a:latin typeface="Times New Roman" charset="0"/>
+                <a:ea typeface="Times New Roman" charset="0"/>
+                <a:cs typeface="Times New Roman" charset="0"/>
+              </a:rPr>
+              <a:t>2</a:t>
+            </a:r>
+            <a:r>
+              <a:rPr lang="zh-CN" altLang="en-US" sz="2000" dirty="0" smtClean="0">
+                <a:latin typeface="Times New Roman" charset="0"/>
+                <a:ea typeface="Times New Roman" charset="0"/>
+                <a:cs typeface="Times New Roman" charset="0"/>
+              </a:rPr>
+              <a:t>个月的时间进行训练预测（反复迭代）</a:t>
+            </a:r>
+            <a:endParaRPr lang="en-US" altLang="zh-CN" sz="2000" dirty="0" smtClean="0">
+              <a:latin typeface="Times New Roman" charset="0"/>
+              <a:ea typeface="Times New Roman" charset="0"/>
+              <a:cs typeface="Times New Roman" charset="0"/>
+            </a:endParaRPr>
+          </a:p>
+          <a:p>
+            <a:pPr marL="342900" indent="-342900">
+              <a:lnSpc>
+                <a:spcPct val="130000"/>
+              </a:lnSpc>
+              <a:buAutoNum type="arabicParenR"/>
+            </a:pPr>
+            <a:endParaRPr lang="en-US" altLang="zh-CN" sz="2000" dirty="0">
+              <a:latin typeface="Times New Roman" charset="0"/>
+              <a:ea typeface="Times New Roman" charset="0"/>
+              <a:cs typeface="Times New Roman" charset="0"/>
+            </a:endParaRPr>
+          </a:p>
+          <a:p>
+            <a:pPr marL="342900" indent="-342900">
+              <a:lnSpc>
+                <a:spcPct val="130000"/>
+              </a:lnSpc>
+              <a:buAutoNum type="arabicParenR"/>
+            </a:pPr>
+            <a:r>
+              <a:rPr lang="en-US" altLang="zh-CN" sz="2000" dirty="0" smtClean="0">
+                <a:latin typeface="Times New Roman" charset="0"/>
+                <a:ea typeface="Times New Roman" charset="0"/>
+                <a:cs typeface="Times New Roman" charset="0"/>
+              </a:rPr>
+              <a:t>2</a:t>
+            </a:r>
+            <a:r>
+              <a:rPr lang="zh-CN" altLang="en-US" sz="2000" dirty="0" smtClean="0">
+                <a:latin typeface="Times New Roman" charset="0"/>
+                <a:ea typeface="Times New Roman" charset="0"/>
+                <a:cs typeface="Times New Roman" charset="0"/>
+              </a:rPr>
+              <a:t>个月系统实现，开始做实验对比</a:t>
+            </a:r>
+            <a:endParaRPr lang="en-US" altLang="zh-CN" sz="2000" dirty="0" smtClean="0">
+              <a:latin typeface="Times New Roman" charset="0"/>
+              <a:ea typeface="Times New Roman" charset="0"/>
+              <a:cs typeface="Times New Roman" charset="0"/>
+            </a:endParaRPr>
+          </a:p>
+          <a:p>
+            <a:pPr marL="342900" indent="-342900">
+              <a:lnSpc>
+                <a:spcPct val="130000"/>
+              </a:lnSpc>
+              <a:buAutoNum type="arabicParenR"/>
+            </a:pPr>
+            <a:endParaRPr lang="en-US" altLang="zh-CN" sz="2000" dirty="0">
+              <a:latin typeface="Times New Roman" charset="0"/>
+              <a:ea typeface="Times New Roman" charset="0"/>
+              <a:cs typeface="Times New Roman" charset="0"/>
+            </a:endParaRPr>
+          </a:p>
+          <a:p>
+            <a:pPr marL="342900" indent="-342900">
+              <a:lnSpc>
+                <a:spcPct val="130000"/>
+              </a:lnSpc>
+              <a:buAutoNum type="arabicParenR"/>
+            </a:pPr>
+            <a:r>
+              <a:rPr lang="zh-CN" altLang="en-US" sz="2000" dirty="0" smtClean="0">
+                <a:latin typeface="Times New Roman" charset="0"/>
+                <a:ea typeface="Times New Roman" charset="0"/>
+                <a:cs typeface="Times New Roman" charset="0"/>
+              </a:rPr>
+              <a:t>写报告</a:t>
+            </a:r>
+            <a:endParaRPr lang="en-US" altLang="zh-CN" sz="2000" dirty="0" smtClean="0">
+              <a:latin typeface="Times New Roman" charset="0"/>
+              <a:ea typeface="Times New Roman" charset="0"/>
+              <a:cs typeface="Times New Roman" charset="0"/>
+            </a:endParaRPr>
+          </a:p>
+        </p:txBody>
+      </p:sp>
+      <p:sp>
+        <p:nvSpPr>
+          <p:cNvPr id="7" name="圆角矩形 6"/>
+          <p:cNvSpPr/>
+          <p:nvPr/>
+        </p:nvSpPr>
+        <p:spPr>
+          <a:xfrm>
+            <a:off x="702244" y="617220"/>
+            <a:ext cx="2258126" cy="434340"/>
+          </a:xfrm>
+          <a:prstGeom prst="roundRect">
+            <a:avLst/>
+          </a:prstGeom>
+          <a:solidFill>
+            <a:schemeClr val="accent5"/>
+          </a:solidFill>
+          <a:ln>
+            <a:noFill/>
+          </a:ln>
+        </p:spPr>
+        <p:style>
+          <a:lnRef idx="2">
+            <a:schemeClr val="accent1">
+              <a:shade val="50000"/>
+            </a:schemeClr>
+          </a:lnRef>
+          <a:fillRef idx="1">
+            <a:schemeClr val="accent1"/>
+          </a:fillRef>
+          <a:effectRef idx="0">
+            <a:schemeClr val="accent1"/>
+          </a:effectRef>
+          <a:fontRef idx="minor">
+            <a:schemeClr val="lt1"/>
+          </a:fontRef>
+        </p:style>
+        <p:txBody>
+          <a:bodyPr rtlCol="0" anchor="ctr"/>
+          <a:lstStyle/>
+          <a:p>
+            <a:pPr algn="ctr"/>
+            <a:r>
+              <a:rPr lang="zh-CN" altLang="en-US" dirty="0" smtClean="0">
+                <a:latin typeface="Arial Black" charset="0"/>
+              </a:rPr>
+              <a:t>时间进度</a:t>
+            </a:r>
+            <a:endParaRPr lang="en-US" altLang="zh-CN" dirty="0">
+              <a:latin typeface="Arial Black" charset="0"/>
+            </a:endParaRPr>
+          </a:p>
+        </p:txBody>
+      </p:sp>
+    </p:spTree>
+    <p:extLst>
+      <p:ext uri="{BB962C8B-B14F-4D97-AF65-F5344CB8AC3E}">
+        <p14:creationId xmlns:p14="http://schemas.microsoft.com/office/powerpoint/2010/main" val="1705365033"/>
       </p:ext>
     </p:extLst>
   </p:cSld>
@@ -2415,11 +2928,7 @@
             <a:pPr algn="ctr"/>
             <a:r>
               <a:rPr lang="zh-CN" altLang="en-US" sz="2000" dirty="0" smtClean="0"/>
-              <a:t>进度、</a:t>
-            </a:r>
-            <a:r>
-              <a:rPr lang="zh-CN" altLang="en-US" sz="2000" dirty="0" smtClean="0"/>
-              <a:t>效果</a:t>
+              <a:t>进度、效果</a:t>
             </a:r>
             <a:endParaRPr lang="zh-CN" altLang="en-US" sz="2000" dirty="0"/>
           </a:p>
@@ -2462,9 +2971,39 @@
           <a:chExt cx="0" cy="0"/>
         </a:xfrm>
       </p:grpSpPr>
+      <p:sp>
+        <p:nvSpPr>
+          <p:cNvPr id="6" name="文本框 5"/>
+          <p:cNvSpPr txBox="1"/>
+          <p:nvPr/>
+        </p:nvSpPr>
+        <p:spPr>
+          <a:xfrm>
+            <a:off x="445770" y="434340"/>
+            <a:ext cx="1005840" cy="523220"/>
+          </a:xfrm>
+          <a:prstGeom prst="rect">
+            <a:avLst/>
+          </a:prstGeom>
+          <a:noFill/>
+        </p:spPr>
+        <p:txBody>
+          <a:bodyPr wrap="square" rtlCol="0">
+            <a:spAutoFit/>
+          </a:bodyPr>
+          <a:lstStyle/>
+          <a:p>
+            <a:r>
+              <a:rPr kumimoji="1" lang="zh-CN" altLang="en-US" sz="2800" dirty="0" smtClean="0"/>
+              <a:t>背景</a:t>
+            </a:r>
+            <a:endParaRPr kumimoji="1" lang="zh-CN" altLang="en-US" sz="2800" dirty="0"/>
+          </a:p>
+        </p:txBody>
+      </p:sp>
       <p:pic>
         <p:nvPicPr>
-          <p:cNvPr id="5" name="图片 4"/>
+          <p:cNvPr id="2" name="图片 1"/>
           <p:cNvPicPr>
             <a:picLocks noChangeAspect="1"/>
           </p:cNvPicPr>
@@ -2484,49 +3023,19 @@
         </p:blipFill>
         <p:spPr>
           <a:xfrm>
-            <a:off x="3760470" y="0"/>
-            <a:ext cx="4842350" cy="3234690"/>
+            <a:off x="1360169" y="1464136"/>
+            <a:ext cx="4392000" cy="3756022"/>
           </a:xfrm>
           <a:prstGeom prst="rect">
             <a:avLst/>
           </a:prstGeom>
         </p:spPr>
       </p:pic>
-      <p:sp>
-        <p:nvSpPr>
-          <p:cNvPr id="6" name="文本框 5"/>
-          <p:cNvSpPr txBox="1"/>
-          <p:nvPr/>
-        </p:nvSpPr>
-        <p:spPr>
-          <a:xfrm>
-            <a:off x="777240" y="720090"/>
-            <a:ext cx="1005840" cy="523220"/>
-          </a:xfrm>
-          <a:prstGeom prst="rect">
-            <a:avLst/>
-          </a:prstGeom>
-          <a:noFill/>
-        </p:spPr>
-        <p:txBody>
-          <a:bodyPr wrap="square" rtlCol="0">
-            <a:spAutoFit/>
-          </a:bodyPr>
-          <a:lstStyle/>
-          <a:p>
-            <a:r>
-              <a:rPr kumimoji="1" lang="zh-CN" altLang="en-US" sz="2800" dirty="0" smtClean="0"/>
-              <a:t>背景</a:t>
-            </a:r>
-            <a:endParaRPr kumimoji="1" lang="zh-CN" altLang="en-US" sz="2800" dirty="0"/>
-          </a:p>
-        </p:txBody>
-      </p:sp>
       <p:pic>
         <p:nvPicPr>
-          <p:cNvPr id="22" name="图片 21"/>
+          <p:cNvPr id="8" name="图片 7"/>
           <p:cNvPicPr>
-            <a:picLocks noChangeAspect="1"/>
+            <a:picLocks/>
           </p:cNvPicPr>
           <p:nvPr/>
         </p:nvPicPr>
@@ -2544,8 +3053,8 @@
         </p:blipFill>
         <p:spPr>
           <a:xfrm>
-            <a:off x="2857980" y="3234690"/>
-            <a:ext cx="6647330" cy="3170266"/>
+            <a:off x="6466839" y="1464136"/>
+            <a:ext cx="4176000" cy="3856509"/>
           </a:xfrm>
           <a:prstGeom prst="rect">
             <a:avLst/>
@@ -3059,8 +3568,8 @@
         </p:nvSpPr>
         <p:spPr>
           <a:xfrm>
-            <a:off x="1794510" y="720090"/>
-            <a:ext cx="8972550" cy="1138773"/>
+            <a:off x="1295072" y="5021133"/>
+            <a:ext cx="9826318" cy="400110"/>
           </a:xfrm>
           <a:prstGeom prst="rect">
             <a:avLst/>
@@ -3075,23 +3584,40 @@
           <a:p>
             <a:r>
               <a:rPr kumimoji="1" lang="zh-CN" altLang="en-US" sz="2000" b="1" dirty="0" smtClean="0"/>
-              <a:t>研究目的</a:t>
+              <a:t>研究</a:t>
+            </a:r>
+            <a:r>
+              <a:rPr kumimoji="1" lang="zh-CN" altLang="en-US" sz="2000" b="1" smtClean="0"/>
+              <a:t>背景</a:t>
+            </a:r>
+            <a:r>
+              <a:rPr kumimoji="1" lang="zh-CN" altLang="en-US" sz="2000" smtClean="0"/>
+              <a:t>：采用</a:t>
+            </a:r>
+            <a:r>
+              <a:rPr kumimoji="1" lang="zh-CN" altLang="en-US" sz="2000"/>
+              <a:t>消息</a:t>
+            </a:r>
+            <a:r>
+              <a:rPr kumimoji="1" lang="zh-CN" altLang="en-US" sz="2000" smtClean="0"/>
+              <a:t>量预测</a:t>
             </a:r>
             <a:r>
               <a:rPr kumimoji="1" lang="zh-CN" altLang="en-US" sz="2000" dirty="0" smtClean="0"/>
-              <a:t>：以</a:t>
-            </a:r>
-            <a:r>
-              <a:rPr kumimoji="1" lang="zh-CN" altLang="en-US" sz="2000" dirty="0"/>
-              <a:t>自适应图计算为基础，通过采用消息量的预测，使计算节点进行更有效的计算，从而减少迭代次数，加快</a:t>
+              <a:t>的方式，</a:t>
+            </a:r>
+            <a:r>
+              <a:rPr kumimoji="1" lang="zh-CN" altLang="en-US" sz="2000" smtClean="0"/>
+              <a:t>给出该</a:t>
             </a:r>
             <a:r>
               <a:rPr kumimoji="1" lang="zh-CN" altLang="en-US" sz="2000" dirty="0" smtClean="0"/>
-              <a:t>收敛，提高图计算性能</a:t>
-            </a:r>
-            <a:endParaRPr kumimoji="1" lang="zh-CN" altLang="en-US" sz="2000" dirty="0"/>
-          </a:p>
-          <a:p>
+              <a:t>模型下一个合理</a:t>
+            </a:r>
+            <a:r>
+              <a:rPr kumimoji="1" lang="zh-CN" altLang="en-US" sz="2000" smtClean="0"/>
+              <a:t>的，高效的实现方案</a:t>
+            </a:r>
             <a:endParaRPr kumimoji="1" lang="zh-CN" altLang="en-US" sz="2800" dirty="0"/>
           </a:p>
         </p:txBody>
@@ -3104,7 +3630,7 @@
         </p:nvSpPr>
         <p:spPr>
           <a:xfrm>
-            <a:off x="3854250" y="3241174"/>
+            <a:off x="3888540" y="1915294"/>
             <a:ext cx="1584000" cy="216000"/>
           </a:xfrm>
           <a:prstGeom prst="rect">
@@ -3147,7 +3673,7 @@
         </p:nvSpPr>
         <p:spPr>
           <a:xfrm>
-            <a:off x="2624160" y="2264629"/>
+            <a:off x="2658450" y="938749"/>
             <a:ext cx="1206720" cy="412421"/>
           </a:xfrm>
           <a:prstGeom prst="rect">
@@ -3215,7 +3741,7 @@
         </p:nvSpPr>
         <p:spPr>
           <a:xfrm>
-            <a:off x="2624160" y="2696629"/>
+            <a:off x="2658450" y="1370749"/>
             <a:ext cx="1206720" cy="386452"/>
           </a:xfrm>
           <a:prstGeom prst="rect">
@@ -3283,7 +3809,7 @@
         </p:nvSpPr>
         <p:spPr>
           <a:xfrm>
-            <a:off x="2641440" y="3154598"/>
+            <a:off x="2675730" y="1828718"/>
             <a:ext cx="1206720" cy="386452"/>
           </a:xfrm>
           <a:prstGeom prst="rect">
@@ -3351,7 +3877,7 @@
         </p:nvSpPr>
         <p:spPr>
           <a:xfrm>
-            <a:off x="3848160" y="2389050"/>
+            <a:off x="3882450" y="1063170"/>
             <a:ext cx="792000" cy="216000"/>
           </a:xfrm>
           <a:prstGeom prst="rect">
@@ -3394,7 +3920,7 @@
         </p:nvSpPr>
         <p:spPr>
           <a:xfrm>
-            <a:off x="4784160" y="2389050"/>
+            <a:off x="4818450" y="1063170"/>
             <a:ext cx="792000" cy="216000"/>
           </a:xfrm>
           <a:prstGeom prst="rect">
@@ -3437,7 +3963,7 @@
         </p:nvSpPr>
         <p:spPr>
           <a:xfrm>
-            <a:off x="5720160" y="2368476"/>
+            <a:off x="5754450" y="1042596"/>
             <a:ext cx="792000" cy="274464"/>
           </a:xfrm>
           <a:prstGeom prst="rect">
@@ -3480,7 +4006,7 @@
         </p:nvSpPr>
         <p:spPr>
           <a:xfrm>
-            <a:off x="6656160" y="2389050"/>
+            <a:off x="6690450" y="1063170"/>
             <a:ext cx="792000" cy="216000"/>
           </a:xfrm>
           <a:prstGeom prst="rect">
@@ -3523,7 +4049,7 @@
         </p:nvSpPr>
         <p:spPr>
           <a:xfrm>
-            <a:off x="7592160" y="2389050"/>
+            <a:off x="7626450" y="1063170"/>
             <a:ext cx="792000" cy="216000"/>
           </a:xfrm>
           <a:prstGeom prst="rect">
@@ -3566,7 +4092,7 @@
         </p:nvSpPr>
         <p:spPr>
           <a:xfrm>
-            <a:off x="3848160" y="2821050"/>
+            <a:off x="3882450" y="1495170"/>
             <a:ext cx="792000" cy="216000"/>
           </a:xfrm>
           <a:prstGeom prst="rect">
@@ -3609,7 +4135,7 @@
         </p:nvSpPr>
         <p:spPr>
           <a:xfrm>
-            <a:off x="4784160" y="2821050"/>
+            <a:off x="4818450" y="1495170"/>
             <a:ext cx="792000" cy="216000"/>
           </a:xfrm>
           <a:prstGeom prst="rect">
@@ -3652,7 +4178,7 @@
         </p:nvSpPr>
         <p:spPr>
           <a:xfrm>
-            <a:off x="5720160" y="2821050"/>
+            <a:off x="5754450" y="1495170"/>
             <a:ext cx="792000" cy="216000"/>
           </a:xfrm>
           <a:prstGeom prst="rect">
@@ -3695,7 +4221,7 @@
         </p:nvSpPr>
         <p:spPr>
           <a:xfrm>
-            <a:off x="6656160" y="2821050"/>
+            <a:off x="6690450" y="1495170"/>
             <a:ext cx="792000" cy="216000"/>
           </a:xfrm>
           <a:prstGeom prst="rect">
@@ -3738,7 +4264,7 @@
         </p:nvSpPr>
         <p:spPr>
           <a:xfrm>
-            <a:off x="7592160" y="2821050"/>
+            <a:off x="7626450" y="1495170"/>
             <a:ext cx="792000" cy="216000"/>
           </a:xfrm>
           <a:prstGeom prst="rect">
@@ -3781,7 +4307,7 @@
         </p:nvSpPr>
         <p:spPr>
           <a:xfrm>
-            <a:off x="5576160" y="3226598"/>
+            <a:off x="5610450" y="1900718"/>
             <a:ext cx="1512000" cy="216000"/>
           </a:xfrm>
           <a:prstGeom prst="rect">
@@ -3824,7 +4350,7 @@
         </p:nvSpPr>
         <p:spPr>
           <a:xfrm>
-            <a:off x="7232160" y="3226598"/>
+            <a:off x="7266450" y="1900718"/>
             <a:ext cx="1512000" cy="216000"/>
           </a:xfrm>
           <a:prstGeom prst="rect">
@@ -3867,7 +4393,7 @@
         </p:nvSpPr>
         <p:spPr>
           <a:xfrm>
-            <a:off x="8528160" y="2389050"/>
+            <a:off x="8562450" y="1063170"/>
             <a:ext cx="792000" cy="216000"/>
           </a:xfrm>
           <a:prstGeom prst="rect">
@@ -3910,7 +4436,7 @@
         </p:nvSpPr>
         <p:spPr>
           <a:xfrm>
-            <a:off x="8528160" y="2821050"/>
+            <a:off x="8562450" y="1495170"/>
             <a:ext cx="792000" cy="216000"/>
           </a:xfrm>
           <a:prstGeom prst="rect">
@@ -3953,7 +4479,7 @@
         </p:nvSpPr>
         <p:spPr>
           <a:xfrm>
-            <a:off x="8888160" y="3226598"/>
+            <a:off x="8922450" y="1900718"/>
             <a:ext cx="1512000" cy="216000"/>
           </a:xfrm>
           <a:prstGeom prst="rect">
@@ -3996,7 +4522,7 @@
         </p:nvCxnSpPr>
         <p:spPr>
           <a:xfrm>
-            <a:off x="5576160" y="1718190"/>
+            <a:off x="5610450" y="392310"/>
             <a:ext cx="0" cy="2592000"/>
           </a:xfrm>
           <a:prstGeom prst="line">
@@ -4026,7 +4552,7 @@
         </p:nvCxnSpPr>
         <p:spPr>
           <a:xfrm>
-            <a:off x="5720160" y="1718190"/>
+            <a:off x="5754450" y="392310"/>
             <a:ext cx="0" cy="2592000"/>
           </a:xfrm>
           <a:prstGeom prst="line">
@@ -4056,7 +4582,7 @@
         </p:nvSpPr>
         <p:spPr>
           <a:xfrm>
-            <a:off x="5173715" y="4126839"/>
+            <a:off x="5208005" y="2800959"/>
             <a:ext cx="494510" cy="412421"/>
           </a:xfrm>
           <a:prstGeom prst="rect">
@@ -4104,7 +4630,7 @@
         </p:nvSpPr>
         <p:spPr>
           <a:xfrm>
-            <a:off x="5729650" y="4117050"/>
+            <a:off x="5763940" y="2791170"/>
             <a:ext cx="494510" cy="386452"/>
           </a:xfrm>
           <a:prstGeom prst="rect">
@@ -4152,7 +4678,7 @@
         </p:nvSpPr>
         <p:spPr>
           <a:xfrm>
-            <a:off x="3836970" y="3829050"/>
+            <a:off x="3871260" y="2503170"/>
             <a:ext cx="1584000" cy="216000"/>
           </a:xfrm>
           <a:prstGeom prst="rect">
@@ -4195,7 +4721,7 @@
         </p:nvSpPr>
         <p:spPr>
           <a:xfrm>
-            <a:off x="2624160" y="3704629"/>
+            <a:off x="2658450" y="2378749"/>
             <a:ext cx="1206720" cy="412421"/>
           </a:xfrm>
           <a:prstGeom prst="rect">
@@ -4263,7 +4789,7 @@
         </p:nvSpPr>
         <p:spPr>
           <a:xfrm>
-            <a:off x="5720160" y="3814474"/>
+            <a:off x="5754450" y="2488594"/>
             <a:ext cx="1512000" cy="216000"/>
           </a:xfrm>
           <a:prstGeom prst="rect">
@@ -4306,7 +4832,7 @@
         </p:nvSpPr>
         <p:spPr>
           <a:xfrm rot="16200000">
-            <a:off x="4476307" y="4148555"/>
+            <a:off x="4510597" y="2822675"/>
             <a:ext cx="322962" cy="1566365"/>
           </a:xfrm>
           <a:prstGeom prst="leftBrace">
@@ -4344,7 +4870,7 @@
         </p:nvSpPr>
         <p:spPr>
           <a:xfrm rot="16200000">
-            <a:off x="5413829" y="4769906"/>
+            <a:off x="5448119" y="3444026"/>
             <a:ext cx="322962" cy="308680"/>
           </a:xfrm>
           <a:prstGeom prst="leftBrace">
@@ -4382,7 +4908,7 @@
         </p:nvSpPr>
         <p:spPr>
           <a:xfrm>
-            <a:off x="4117440" y="5139923"/>
+            <a:off x="4151730" y="3814043"/>
             <a:ext cx="1062720" cy="385362"/>
           </a:xfrm>
           <a:prstGeom prst="rect">
@@ -4431,7 +4957,7 @@
         </p:nvSpPr>
         <p:spPr>
           <a:xfrm>
-            <a:off x="5255375" y="5159031"/>
+            <a:off x="5289665" y="3833151"/>
             <a:ext cx="639870" cy="732508"/>
           </a:xfrm>
           <a:prstGeom prst="rect">
@@ -4479,7 +5005,7 @@
         </p:nvSpPr>
         <p:spPr>
           <a:xfrm>
-            <a:off x="5576160" y="3832246"/>
+            <a:off x="5610450" y="2506366"/>
             <a:ext cx="144000" cy="216000"/>
           </a:xfrm>
           <a:prstGeom prst="rect">
@@ -4514,6 +5040,200 @@
           <a:p>
             <a:pPr algn="ctr"/>
             <a:endParaRPr kumimoji="1" lang="zh-CN" altLang="en-US"/>
+          </a:p>
+        </p:txBody>
+      </p:sp>
+      <p:sp>
+        <p:nvSpPr>
+          <p:cNvPr id="2" name="文本框 1"/>
+          <p:cNvSpPr txBox="1"/>
+          <p:nvPr/>
+        </p:nvSpPr>
+        <p:spPr>
+          <a:xfrm>
+            <a:off x="7122450" y="3629377"/>
+            <a:ext cx="4283490" cy="369332"/>
+          </a:xfrm>
+          <a:prstGeom prst="rect">
+            <a:avLst/>
+          </a:prstGeom>
+          <a:noFill/>
+        </p:spPr>
+        <p:txBody>
+          <a:bodyPr wrap="square" rtlCol="0">
+            <a:spAutoFit/>
+          </a:bodyPr>
+          <a:lstStyle/>
+          <a:p>
+            <a:r>
+              <a:rPr kumimoji="1" lang="zh-CN" altLang="en-US" dirty="0" smtClean="0">
+                <a:solidFill>
+                  <a:srgbClr val="FF0000"/>
+                </a:solidFill>
+              </a:rPr>
+              <a:t>目前，自适应模型没有很好的实现方案</a:t>
+            </a:r>
+            <a:endParaRPr kumimoji="1" lang="en-US" altLang="zh-CN" dirty="0" smtClean="0">
+              <a:solidFill>
+                <a:srgbClr val="FF0000"/>
+              </a:solidFill>
+            </a:endParaRPr>
+          </a:p>
+        </p:txBody>
+      </p:sp>
+      <p:sp>
+        <p:nvSpPr>
+          <p:cNvPr id="3" name="文本框 2"/>
+          <p:cNvSpPr txBox="1"/>
+          <p:nvPr/>
+        </p:nvSpPr>
+        <p:spPr>
+          <a:xfrm>
+            <a:off x="1097280" y="1868616"/>
+            <a:ext cx="731520" cy="369332"/>
+          </a:xfrm>
+          <a:prstGeom prst="rect">
+            <a:avLst/>
+          </a:prstGeom>
+          <a:noFill/>
+        </p:spPr>
+        <p:txBody>
+          <a:bodyPr wrap="square" rtlCol="0">
+            <a:spAutoFit/>
+          </a:bodyPr>
+          <a:lstStyle/>
+          <a:p>
+            <a:r>
+              <a:rPr kumimoji="1" lang="zh-CN" altLang="en-US" smtClean="0"/>
+              <a:t>异步</a:t>
+            </a:r>
+            <a:endParaRPr kumimoji="1" lang="zh-CN" altLang="en-US"/>
+          </a:p>
+        </p:txBody>
+      </p:sp>
+      <p:sp>
+        <p:nvSpPr>
+          <p:cNvPr id="36" name="文本框 35"/>
+          <p:cNvSpPr txBox="1"/>
+          <p:nvPr/>
+        </p:nvSpPr>
+        <p:spPr>
+          <a:xfrm>
+            <a:off x="1089660" y="2409636"/>
+            <a:ext cx="950346" cy="369332"/>
+          </a:xfrm>
+          <a:prstGeom prst="rect">
+            <a:avLst/>
+          </a:prstGeom>
+          <a:noFill/>
+        </p:spPr>
+        <p:txBody>
+          <a:bodyPr wrap="square" rtlCol="0">
+            <a:spAutoFit/>
+          </a:bodyPr>
+          <a:lstStyle/>
+          <a:p>
+            <a:r>
+              <a:rPr kumimoji="1" lang="zh-CN" altLang="en-US" dirty="0" smtClean="0"/>
+              <a:t>自适应</a:t>
+            </a:r>
+            <a:endParaRPr kumimoji="1" lang="zh-CN" altLang="en-US" dirty="0"/>
+          </a:p>
+        </p:txBody>
+      </p:sp>
+      <p:cxnSp>
+        <p:nvCxnSpPr>
+          <p:cNvPr id="5" name="直线箭头连接符 4"/>
+          <p:cNvCxnSpPr/>
+          <p:nvPr/>
+        </p:nvCxnSpPr>
+        <p:spPr>
+          <a:xfrm>
+            <a:off x="1931670" y="2048138"/>
+            <a:ext cx="628650" cy="0"/>
+          </a:xfrm>
+          <a:prstGeom prst="straightConnector1">
+            <a:avLst/>
+          </a:prstGeom>
+          <a:ln>
+            <a:tailEnd type="triangle"/>
+          </a:ln>
+        </p:spPr>
+        <p:style>
+          <a:lnRef idx="1">
+            <a:schemeClr val="accent1"/>
+          </a:lnRef>
+          <a:fillRef idx="0">
+            <a:schemeClr val="accent1"/>
+          </a:fillRef>
+          <a:effectRef idx="0">
+            <a:schemeClr val="accent1"/>
+          </a:effectRef>
+          <a:fontRef idx="minor">
+            <a:schemeClr val="tx1"/>
+          </a:fontRef>
+        </p:style>
+      </p:cxnSp>
+      <p:cxnSp>
+        <p:nvCxnSpPr>
+          <p:cNvPr id="69" name="直线箭头连接符 68"/>
+          <p:cNvCxnSpPr/>
+          <p:nvPr/>
+        </p:nvCxnSpPr>
+        <p:spPr>
+          <a:xfrm>
+            <a:off x="1992630" y="2600588"/>
+            <a:ext cx="628650" cy="0"/>
+          </a:xfrm>
+          <a:prstGeom prst="straightConnector1">
+            <a:avLst/>
+          </a:prstGeom>
+          <a:ln>
+            <a:tailEnd type="triangle"/>
+          </a:ln>
+        </p:spPr>
+        <p:style>
+          <a:lnRef idx="1">
+            <a:schemeClr val="accent1"/>
+          </a:lnRef>
+          <a:fillRef idx="0">
+            <a:schemeClr val="accent1"/>
+          </a:fillRef>
+          <a:effectRef idx="0">
+            <a:schemeClr val="accent1"/>
+          </a:effectRef>
+          <a:fontRef idx="minor">
+            <a:schemeClr val="tx1"/>
+          </a:fontRef>
+        </p:style>
+      </p:cxnSp>
+      <p:sp>
+        <p:nvSpPr>
+          <p:cNvPr id="7" name="文本框 6"/>
+          <p:cNvSpPr txBox="1"/>
+          <p:nvPr/>
+        </p:nvSpPr>
+        <p:spPr>
+          <a:xfrm>
+            <a:off x="628650" y="491490"/>
+            <a:ext cx="1992630" cy="369332"/>
+          </a:xfrm>
+          <a:prstGeom prst="rect">
+            <a:avLst/>
+          </a:prstGeom>
+          <a:noFill/>
+        </p:spPr>
+        <p:txBody>
+          <a:bodyPr wrap="square" rtlCol="0">
+            <a:spAutoFit/>
+          </a:bodyPr>
+          <a:lstStyle/>
+          <a:p>
+            <a:r>
+              <a:rPr kumimoji="1" lang="zh-CN" altLang="en-US" dirty="0" smtClean="0"/>
+              <a:t>自适应模型特点</a:t>
+            </a:r>
+            <a:endParaRPr kumimoji="1" lang="zh-CN" altLang="en-US" dirty="0"/>
           </a:p>
         </p:txBody>
       </p:sp>
@@ -5377,8 +6097,8 @@
             </p:nvSpPr>
             <p:spPr>
               <a:xfrm>
-                <a:off x="584002" y="1151608"/>
-                <a:ext cx="5695259" cy="1117998"/>
+                <a:off x="531699" y="1034930"/>
+                <a:ext cx="4881514" cy="1117998"/>
               </a:xfrm>
               <a:prstGeom prst="rect">
                 <a:avLst/>
@@ -5789,8 +6509,8 @@
             </p:nvSpPr>
             <p:spPr>
               <a:xfrm>
-                <a:off x="584002" y="1151608"/>
-                <a:ext cx="5695259" cy="1117998"/>
+                <a:off x="531699" y="1034930"/>
+                <a:ext cx="4881514" cy="1117998"/>
               </a:xfrm>
               <a:prstGeom prst="rect">
                 <a:avLst/>
@@ -5827,7 +6547,7 @@
             </p:nvSpPr>
             <p:spPr>
               <a:xfrm>
-                <a:off x="1394460" y="3513171"/>
+                <a:off x="6387176" y="1409263"/>
                 <a:ext cx="2999924" cy="369332"/>
               </a:xfrm>
               <a:prstGeom prst="rect">
@@ -6054,7 +6774,7 @@
             </p:nvSpPr>
             <p:spPr>
               <a:xfrm>
-                <a:off x="1394460" y="3513171"/>
+                <a:off x="6387176" y="1409263"/>
                 <a:ext cx="2999924" cy="369332"/>
               </a:xfrm>
               <a:prstGeom prst="rect">
@@ -6063,7 +6783,7 @@
               <a:blipFill rotWithShape="0">
                 <a:blip r:embed="rId3"/>
                 <a:stretch>
-                  <a:fillRect t="-95082" b="-121311"/>
+                  <a:fillRect t="-96721" b="-119672"/>
                 </a:stretch>
               </a:blipFill>
             </p:spPr>
@@ -6092,7 +6812,7 @@
             </p:nvSpPr>
             <p:spPr>
               <a:xfrm>
-                <a:off x="1394460" y="4894511"/>
+                <a:off x="6462516" y="5344822"/>
                 <a:ext cx="1577996" cy="657744"/>
               </a:xfrm>
               <a:prstGeom prst="rect">
@@ -6270,7 +6990,7 @@
             </p:nvSpPr>
             <p:spPr>
               <a:xfrm>
-                <a:off x="1394460" y="4894511"/>
+                <a:off x="6462516" y="5344822"/>
                 <a:ext cx="1577996" cy="657744"/>
               </a:xfrm>
               <a:prstGeom prst="rect">
@@ -6308,7 +7028,7 @@
             </p:nvSpPr>
             <p:spPr>
               <a:xfrm>
-                <a:off x="6456045" y="1013108"/>
+                <a:off x="968119" y="2834269"/>
                 <a:ext cx="3354705" cy="276999"/>
               </a:xfrm>
               <a:prstGeom prst="rect">
@@ -6375,7 +7095,7 @@
             </p:nvSpPr>
             <p:spPr>
               <a:xfrm>
-                <a:off x="6456045" y="1013108"/>
+                <a:off x="968119" y="2834269"/>
                 <a:ext cx="3354705" cy="276999"/>
               </a:xfrm>
               <a:prstGeom prst="rect">
@@ -6384,7 +7104,7 @@
               <a:blipFill rotWithShape="0">
                 <a:blip r:embed="rId5"/>
                 <a:stretch>
-                  <a:fillRect l="-2364" t="-28261" b="-50000"/>
+                  <a:fillRect l="-2545" t="-28889" b="-51111"/>
                 </a:stretch>
               </a:blipFill>
             </p:spPr>
@@ -6413,7 +7133,7 @@
             </p:nvSpPr>
             <p:spPr>
               <a:xfrm>
-                <a:off x="6467475" y="1433608"/>
+                <a:off x="968119" y="3345648"/>
                 <a:ext cx="4139565" cy="276999"/>
               </a:xfrm>
               <a:prstGeom prst="rect">
@@ -6488,7 +7208,7 @@
             </p:nvSpPr>
             <p:spPr>
               <a:xfrm>
-                <a:off x="6467475" y="1433608"/>
+                <a:off x="968119" y="3345648"/>
                 <a:ext cx="4139565" cy="276999"/>
               </a:xfrm>
               <a:prstGeom prst="rect">
@@ -6497,7 +7217,7 @@
               <a:blipFill rotWithShape="0">
                 <a:blip r:embed="rId6"/>
                 <a:stretch>
-                  <a:fillRect l="-2062" t="-28261" b="-50000"/>
+                  <a:fillRect l="-2062" t="-28889" b="-51111"/>
                 </a:stretch>
               </a:blipFill>
             </p:spPr>
@@ -6526,7 +7246,7 @@
             </p:nvSpPr>
             <p:spPr>
               <a:xfrm>
-                <a:off x="6467475" y="1845139"/>
+                <a:off x="968118" y="3857027"/>
                 <a:ext cx="4139565" cy="276999"/>
               </a:xfrm>
               <a:prstGeom prst="rect">
@@ -6608,7 +7328,7 @@
             </p:nvSpPr>
             <p:spPr>
               <a:xfrm>
-                <a:off x="6467475" y="1845139"/>
+                <a:off x="968118" y="3857027"/>
                 <a:ext cx="4139565" cy="276999"/>
               </a:xfrm>
               <a:prstGeom prst="rect">
@@ -6646,7 +7366,7 @@
             </p:nvSpPr>
             <p:spPr>
               <a:xfrm>
-                <a:off x="5671185" y="3559337"/>
+                <a:off x="6462516" y="2856758"/>
                 <a:ext cx="4139565" cy="276999"/>
               </a:xfrm>
               <a:prstGeom prst="rect">
@@ -6698,7 +7418,100 @@
                 </a:r>
                 <a:r>
                   <a:rPr kumimoji="1" lang="zh-CN" altLang="en-US" dirty="0" smtClean="0"/>
-                  <a:t> 计算时间</a:t>
+                  <a:t> </a:t>
+                </a:r>
+                <a:r>
+                  <a:rPr kumimoji="1" lang="zh-CN" altLang="en-US" dirty="0" smtClean="0"/>
+                  <a:t>为计算时间 </a:t>
+                </a:r>
+                <a14:m>
+                  <m:oMath xmlns:m="http://schemas.openxmlformats.org/officeDocument/2006/math">
+                    <m:r>
+                      <a:rPr lang="zh-CN" altLang="en-US">
+                        <a:latin typeface="Cambria Math" charset="0"/>
+                      </a:rPr>
+                      <m:t>∆</m:t>
+                    </m:r>
+                    <m:sSub>
+                      <m:sSubPr>
+                        <m:ctrlPr>
+                          <a:rPr lang="zh-CN" altLang="en-US" i="1">
+                            <a:latin typeface="Cambria Math" charset="0"/>
+                          </a:rPr>
+                        </m:ctrlPr>
+                      </m:sSubPr>
+                      <m:e>
+                        <m:r>
+                          <a:rPr lang="zh-CN" altLang="en-US" i="1">
+                            <a:latin typeface="Cambria Math" charset="0"/>
+                          </a:rPr>
+                          <m:t>𝑡</m:t>
+                        </m:r>
+                      </m:e>
+                      <m:sub>
+                        <m:r>
+                          <a:rPr lang="zh-CN" altLang="en-US" i="1">
+                            <a:latin typeface="Cambria Math" charset="0"/>
+                          </a:rPr>
+                          <m:t>𝑖</m:t>
+                        </m:r>
+                      </m:sub>
+                    </m:sSub>
+                  </m:oMath>
+                </a14:m>
+                <a:r>
+                  <a:rPr kumimoji="1" lang="zh-CN" altLang="en-US" dirty="0" smtClean="0"/>
+                  <a:t> 为</a:t>
+                </a:r>
+                <a14:m>
+                  <m:oMath xmlns:m="http://schemas.openxmlformats.org/officeDocument/2006/math">
+                    <m:r>
+                      <a:rPr kumimoji="1" lang="zh-CN" altLang="en-US" b="0" i="0" smtClean="0">
+                        <a:latin typeface="Cambria Math" charset="0"/>
+                      </a:rPr>
+                      <m:t> </m:t>
+                    </m:r>
+                    <m:sSub>
+                      <m:sSubPr>
+                        <m:ctrlPr>
+                          <a:rPr kumimoji="1" lang="en-US" altLang="zh-CN" i="1">
+                            <a:latin typeface="Cambria Math" charset="0"/>
+                          </a:rPr>
+                        </m:ctrlPr>
+                      </m:sSubPr>
+                      <m:e>
+                        <m:r>
+                          <m:rPr>
+                            <m:sty m:val="p"/>
+                          </m:rPr>
+                          <a:rPr kumimoji="1" lang="en-US" altLang="zh-CN" i="1">
+                            <a:latin typeface="Cambria Math" charset="0"/>
+                          </a:rPr>
+                          <m:t>t</m:t>
+                        </m:r>
+                      </m:e>
+                      <m:sub>
+                        <m:r>
+                          <a:rPr kumimoji="1" lang="en-US" altLang="zh-CN" i="1">
+                            <a:latin typeface="Cambria Math" charset="0"/>
+                          </a:rPr>
+                          <m:t>𝑖</m:t>
+                        </m:r>
+                      </m:sub>
+                    </m:sSub>
+                  </m:oMath>
+                </a14:m>
+                <a:r>
+                  <a:rPr kumimoji="1" lang="en-US" altLang="zh-CN" dirty="0" smtClean="0"/>
+                  <a:t>.</a:t>
+                </a:r>
+                <a:r>
+                  <a:rPr kumimoji="1" lang="zh-CN" altLang="en-US" dirty="0" smtClean="0"/>
+                  <a:t>的一部分 </a:t>
+                </a:r>
+                <a:r>
+                  <a:rPr kumimoji="1" lang="zh-CN" altLang="en-US" dirty="0" smtClean="0"/>
+                  <a:t> </a:t>
                 </a:r>
                 <a:endParaRPr kumimoji="1" lang="en-US" altLang="zh-CN" dirty="0" smtClean="0"/>
               </a:p>
@@ -6716,7 +7529,7 @@
             </p:nvSpPr>
             <p:spPr>
               <a:xfrm>
-                <a:off x="5671185" y="3559337"/>
+                <a:off x="6462516" y="2856758"/>
                 <a:ext cx="4139565" cy="276999"/>
               </a:xfrm>
               <a:prstGeom prst="rect">
@@ -6725,7 +7538,7 @@
               <a:blipFill rotWithShape="0">
                 <a:blip r:embed="rId8"/>
                 <a:stretch>
-                  <a:fillRect l="-1767" t="-28889" b="-51111"/>
+                  <a:fillRect l="-1767" t="-148889" b="-180000"/>
                 </a:stretch>
               </a:blipFill>
             </p:spPr>
@@ -6754,7 +7567,7 @@
             </p:nvSpPr>
             <p:spPr>
               <a:xfrm>
-                <a:off x="7328535" y="3559336"/>
+                <a:off x="6405142" y="3330876"/>
                 <a:ext cx="4139565" cy="276999"/>
               </a:xfrm>
               <a:prstGeom prst="rect">
@@ -6821,7 +7634,7 @@
             </p:nvSpPr>
             <p:spPr>
               <a:xfrm>
-                <a:off x="7328535" y="3559336"/>
+                <a:off x="6405142" y="3330876"/>
                 <a:ext cx="4139565" cy="276999"/>
               </a:xfrm>
               <a:prstGeom prst="rect">
@@ -6830,7 +7643,7 @@
               <a:blipFill rotWithShape="0">
                 <a:blip r:embed="rId9"/>
                 <a:stretch>
-                  <a:fillRect l="-1325" t="-28889" b="-51111"/>
+                  <a:fillRect l="-1473" t="-28261" b="-50000"/>
                 </a:stretch>
               </a:blipFill>
             </p:spPr>
@@ -6859,7 +7672,7 @@
             </p:nvSpPr>
             <p:spPr>
               <a:xfrm>
-                <a:off x="9398317" y="3559335"/>
+                <a:off x="6462516" y="3857027"/>
                 <a:ext cx="1819275" cy="276999"/>
               </a:xfrm>
               <a:prstGeom prst="rect">
@@ -6929,7 +7742,7 @@
             </p:nvSpPr>
             <p:spPr>
               <a:xfrm>
-                <a:off x="9398317" y="3559335"/>
+                <a:off x="6462516" y="3857027"/>
                 <a:ext cx="1819275" cy="276999"/>
               </a:xfrm>
               <a:prstGeom prst="rect">
@@ -6938,7 +7751,7 @@
               <a:blipFill rotWithShape="0">
                 <a:blip r:embed="rId10"/>
                 <a:stretch>
-                  <a:fillRect l="-4362" t="-28889" b="-51111"/>
+                  <a:fillRect l="-4348" t="-28889" b="-51111"/>
                 </a:stretch>
               </a:blipFill>
             </p:spPr>
@@ -6957,6 +7770,126 @@
           </p:sp>
         </mc:Fallback>
       </mc:AlternateContent>
+      <p:sp>
+        <p:nvSpPr>
+          <p:cNvPr id="2" name="文本框 1"/>
+          <p:cNvSpPr txBox="1"/>
+          <p:nvPr/>
+        </p:nvSpPr>
+        <p:spPr>
+          <a:xfrm>
+            <a:off x="674370" y="514350"/>
+            <a:ext cx="4434840" cy="369332"/>
+          </a:xfrm>
+          <a:prstGeom prst="rect">
+            <a:avLst/>
+          </a:prstGeom>
+          <a:noFill/>
+        </p:spPr>
+        <p:txBody>
+          <a:bodyPr wrap="square" rtlCol="0">
+            <a:spAutoFit/>
+          </a:bodyPr>
+          <a:lstStyle/>
+          <a:p>
+            <a:r>
+              <a:rPr kumimoji="1" lang="zh-CN" altLang="en-US" b="1" dirty="0" smtClean="0"/>
+              <a:t>等待时间的函数定义</a:t>
+            </a:r>
+            <a:endParaRPr kumimoji="1" lang="zh-CN" altLang="en-US" b="1" dirty="0"/>
+          </a:p>
+        </p:txBody>
+      </p:sp>
+      <p:cxnSp>
+        <p:nvCxnSpPr>
+          <p:cNvPr id="5" name="直线连接符 4"/>
+          <p:cNvCxnSpPr/>
+          <p:nvPr/>
+        </p:nvCxnSpPr>
+        <p:spPr>
+          <a:xfrm>
+            <a:off x="5326380" y="331470"/>
+            <a:ext cx="86833" cy="5777740"/>
+          </a:xfrm>
+          <a:prstGeom prst="line">
+            <a:avLst/>
+          </a:prstGeom>
+        </p:spPr>
+        <p:style>
+          <a:lnRef idx="1">
+            <a:schemeClr val="accent1"/>
+          </a:lnRef>
+          <a:fillRef idx="0">
+            <a:schemeClr val="accent1"/>
+          </a:fillRef>
+          <a:effectRef idx="0">
+            <a:schemeClr val="accent1"/>
+          </a:effectRef>
+          <a:fontRef idx="minor">
+            <a:schemeClr val="tx1"/>
+          </a:fontRef>
+        </p:style>
+      </p:cxnSp>
+      <p:sp>
+        <p:nvSpPr>
+          <p:cNvPr id="14" name="文本框 13"/>
+          <p:cNvSpPr txBox="1"/>
+          <p:nvPr/>
+        </p:nvSpPr>
+        <p:spPr>
+          <a:xfrm>
+            <a:off x="5773054" y="514350"/>
+            <a:ext cx="4434840" cy="369332"/>
+          </a:xfrm>
+          <a:prstGeom prst="rect">
+            <a:avLst/>
+          </a:prstGeom>
+          <a:noFill/>
+        </p:spPr>
+        <p:txBody>
+          <a:bodyPr wrap="square" rtlCol="0">
+            <a:spAutoFit/>
+          </a:bodyPr>
+          <a:lstStyle/>
+          <a:p>
+            <a:r>
+              <a:rPr kumimoji="1" lang="zh-CN" altLang="en-US" b="1" dirty="0" smtClean="0"/>
+              <a:t>期望消息量的计算公式</a:t>
+            </a:r>
+            <a:endParaRPr kumimoji="1" lang="zh-CN" altLang="en-US" b="1" dirty="0"/>
+          </a:p>
+        </p:txBody>
+      </p:sp>
+      <p:sp>
+        <p:nvSpPr>
+          <p:cNvPr id="15" name="文本框 14"/>
+          <p:cNvSpPr txBox="1"/>
+          <p:nvPr/>
+        </p:nvSpPr>
+        <p:spPr>
+          <a:xfrm>
+            <a:off x="5773054" y="4592059"/>
+            <a:ext cx="4434840" cy="369332"/>
+          </a:xfrm>
+          <a:prstGeom prst="rect">
+            <a:avLst/>
+          </a:prstGeom>
+          <a:noFill/>
+        </p:spPr>
+        <p:txBody>
+          <a:bodyPr wrap="square" rtlCol="0">
+            <a:spAutoFit/>
+          </a:bodyPr>
+          <a:lstStyle/>
+          <a:p>
+            <a:r>
+              <a:rPr kumimoji="1" lang="zh-CN" altLang="en-US" b="1" dirty="0" smtClean="0"/>
+              <a:t>等待时间的计算公式</a:t>
+            </a:r>
+            <a:endParaRPr kumimoji="1" lang="zh-CN" altLang="en-US" b="1" dirty="0"/>
+          </a:p>
+        </p:txBody>
+      </p:sp>
     </p:spTree>
     <p:extLst>
       <p:ext uri="{BB962C8B-B14F-4D97-AF65-F5344CB8AC3E}">
@@ -7003,7 +7936,7 @@
         <p:spPr>
           <a:xfrm>
             <a:off x="696000" y="571500"/>
-            <a:ext cx="3959860" cy="647700"/>
+            <a:ext cx="2053745" cy="403985"/>
           </a:xfrm>
           <a:prstGeom prst="roundRect">
             <a:avLst/>
@@ -7040,7 +7973,7 @@
               <a:rPr lang="zh-CN" altLang="en-US" dirty="0" smtClean="0">
                 <a:latin typeface="Arial Black" charset="0"/>
               </a:rPr>
-              <a:t>研究目标</a:t>
+              <a:t>研究方法</a:t>
             </a:r>
             <a:endParaRPr lang="en-US" altLang="zh-CN" dirty="0">
               <a:latin typeface="Arial Black" charset="0"/>
@@ -7056,7 +7989,7 @@
         </p:nvSpPr>
         <p:spPr>
           <a:xfrm>
-            <a:off x="2241590" y="1591490"/>
+            <a:off x="2230160" y="1448330"/>
             <a:ext cx="7953970" cy="812530"/>
           </a:xfrm>
           <a:prstGeom prst="rect">
@@ -7135,7 +8068,7 @@
         <p:spPr>
           <a:xfrm>
             <a:off x="696000" y="2799170"/>
-            <a:ext cx="3959860" cy="647700"/>
+            <a:ext cx="2053745" cy="366940"/>
           </a:xfrm>
           <a:prstGeom prst="roundRect">
             <a:avLst/>
@@ -8653,8 +9586,8 @@
         </p:nvSpPr>
         <p:spPr>
           <a:xfrm>
-            <a:off x="1840230" y="1268328"/>
-            <a:ext cx="9063990" cy="1504386"/>
+            <a:off x="1863090" y="1334427"/>
+            <a:ext cx="9063990" cy="424090"/>
           </a:xfrm>
           <a:prstGeom prst="rect">
             <a:avLst/>
@@ -8674,194 +9607,17 @@
               <a:buChar char="•"/>
             </a:pPr>
             <a:r>
-              <a:rPr lang="zh-CN" altLang="zh-CN" dirty="0" smtClean="0"/>
-              <a:t>拟选取单源最短路径、模式匹配、广度优先搜索、协同过滤</a:t>
-            </a:r>
-            <a:r>
-              <a:rPr lang="en-US" altLang="zh-CN" dirty="0" smtClean="0"/>
-              <a:t>(</a:t>
-            </a:r>
-            <a:r>
-              <a:rPr lang="zh-CN" altLang="zh-CN" dirty="0" smtClean="0"/>
-              <a:t>矩阵分解</a:t>
-            </a:r>
-            <a:r>
-              <a:rPr lang="en-US" altLang="zh-CN" dirty="0" smtClean="0"/>
-              <a:t>)</a:t>
-            </a:r>
-            <a:r>
-              <a:rPr lang="zh-CN" altLang="zh-CN" dirty="0" smtClean="0"/>
-              <a:t>、</a:t>
-            </a:r>
-            <a:r>
-              <a:rPr lang="zh-CN" altLang="en-US" dirty="0" smtClean="0"/>
-              <a:t>页面分值排序</a:t>
-            </a:r>
-            <a:r>
-              <a:rPr lang="zh-CN" altLang="zh-CN" dirty="0" smtClean="0"/>
-              <a:t>、标签传播等图应用算法，</a:t>
-            </a:r>
-            <a:r>
-              <a:rPr lang="zh-CN" altLang="en-US" dirty="0" smtClean="0"/>
-              <a:t>进行分类。</a:t>
-            </a:r>
-            <a:endParaRPr lang="en-US" altLang="zh-CN" dirty="0" smtClean="0"/>
-          </a:p>
-          <a:p>
-            <a:pPr marL="285750" indent="-285750">
-              <a:lnSpc>
-                <a:spcPct val="130000"/>
-              </a:lnSpc>
-              <a:buFont typeface="Arial" charset="0"/>
-              <a:buChar char="•"/>
-            </a:pPr>
-            <a:r>
-              <a:rPr lang="zh-CN" altLang="zh-CN" dirty="0" smtClean="0"/>
-              <a:t>提取</a:t>
-            </a:r>
-            <a:r>
-              <a:rPr lang="zh-CN" altLang="zh-CN" dirty="0"/>
-              <a:t>不同的特征，并采用不用的训练策略</a:t>
-            </a:r>
-            <a:r>
-              <a:rPr lang="zh-CN" altLang="zh-CN" dirty="0" smtClean="0"/>
-              <a:t>，</a:t>
-            </a:r>
-            <a:r>
-              <a:rPr lang="zh-CN" altLang="en-US" dirty="0" smtClean="0"/>
-              <a:t>通用</a:t>
-            </a:r>
-            <a:r>
-              <a:rPr lang="zh-CN" altLang="en-US" dirty="0"/>
-              <a:t>的</a:t>
-            </a:r>
-            <a:r>
-              <a:rPr lang="zh-CN" altLang="zh-CN" dirty="0"/>
-              <a:t>预测思路及预测模型 </a:t>
-            </a:r>
-            <a:r>
-              <a:rPr lang="zh-CN" altLang="en-US" dirty="0"/>
-              <a:t>，甚至是参数调节方向。</a:t>
-            </a:r>
-            <a:endParaRPr lang="en-US" altLang="zh-CN" dirty="0"/>
+              <a:rPr lang="zh-CN" altLang="en-US" b="1" dirty="0" smtClean="0"/>
+              <a:t>不同类别的算法，</a:t>
+            </a:r>
+            <a:r>
+              <a:rPr lang="zh-CN" altLang="en-US" b="1" dirty="0" smtClean="0"/>
+              <a:t>特征提取、训练策略不同</a:t>
+            </a:r>
+            <a:endParaRPr lang="en-US" altLang="zh-CN" b="1" dirty="0" smtClean="0"/>
           </a:p>
         </p:txBody>
       </p:sp>
-      <p:grpSp>
-        <p:nvGrpSpPr>
-          <p:cNvPr id="34" name="组合 8"/>
-          <p:cNvGrpSpPr/>
-          <p:nvPr/>
-        </p:nvGrpSpPr>
-        <p:grpSpPr>
-          <a:xfrm>
-            <a:off x="2298458" y="3223555"/>
-            <a:ext cx="2730500" cy="368300"/>
-            <a:chOff x="3195" y="7631"/>
-            <a:chExt cx="4300" cy="580"/>
-          </a:xfrm>
-        </p:grpSpPr>
-        <p:sp>
-          <p:nvSpPr>
-            <p:cNvPr id="35" name="L 形 34"/>
-            <p:cNvSpPr/>
-            <p:nvPr/>
-          </p:nvSpPr>
-          <p:spPr>
-            <a:xfrm>
-              <a:off x="3477" y="7986"/>
-              <a:ext cx="4019" cy="225"/>
-            </a:xfrm>
-            <a:prstGeom prst="corner">
-              <a:avLst/>
-            </a:prstGeom>
-            <a:solidFill>
-              <a:schemeClr val="accent5"/>
-            </a:solidFill>
-            <a:ln>
-              <a:noFill/>
-            </a:ln>
-          </p:spPr>
-          <p:style>
-            <a:lnRef idx="2">
-              <a:schemeClr val="accent1">
-                <a:shade val="50000"/>
-              </a:schemeClr>
-            </a:lnRef>
-            <a:fillRef idx="1">
-              <a:schemeClr val="accent1"/>
-            </a:fillRef>
-            <a:effectRef idx="0">
-              <a:schemeClr val="accent1"/>
-            </a:effectRef>
-            <a:fontRef idx="minor">
-              <a:schemeClr val="lt1"/>
-            </a:fontRef>
-          </p:style>
-          <p:txBody>
-            <a:bodyPr rtlCol="0" anchor="ctr"/>
-            <a:lstStyle/>
-            <a:p>
-              <a:pPr algn="ctr"/>
-              <a:endParaRPr lang="zh-CN" altLang="en-US"/>
-            </a:p>
-          </p:txBody>
-        </p:sp>
-        <p:sp>
-          <p:nvSpPr>
-            <p:cNvPr id="36" name="文本框 35"/>
-            <p:cNvSpPr txBox="1"/>
-            <p:nvPr/>
-          </p:nvSpPr>
-          <p:spPr>
-            <a:xfrm>
-              <a:off x="3195" y="7631"/>
-              <a:ext cx="565" cy="580"/>
-            </a:xfrm>
-            <a:prstGeom prst="rect">
-              <a:avLst/>
-            </a:prstGeom>
-            <a:solidFill>
-              <a:schemeClr val="accent5"/>
-            </a:solidFill>
-          </p:spPr>
-          <p:txBody>
-            <a:bodyPr wrap="none" rtlCol="0">
-              <a:spAutoFit/>
-            </a:bodyPr>
-            <a:lstStyle/>
-            <a:p>
-              <a:pPr algn="l">
-                <a:lnSpc>
-                  <a:spcPct val="130000"/>
-                </a:lnSpc>
-              </a:pPr>
-              <a:r>
-                <a:rPr lang="zh-CN" altLang="en-US" sz="1400" dirty="0" smtClean="0">
-                  <a:solidFill>
-                    <a:schemeClr val="tx2"/>
-                  </a:solidFill>
-                  <a:uFillTx/>
-                  <a:latin typeface="Arial" pitchFamily="34" charset="0"/>
-                  <a:ea typeface="微软雅黑" pitchFamily="34" charset="-122"/>
-                  <a:cs typeface="Arial" charset="0"/>
-                  <a:sym typeface="+mn-ea"/>
-                </a:rPr>
-                <a:t>▲</a:t>
-              </a:r>
-              <a:endParaRPr lang="zh-CN" altLang="en-US" sz="1400" dirty="0" smtClean="0">
-                <a:solidFill>
-                  <a:schemeClr val="tx2"/>
-                </a:solidFill>
-                <a:uFillTx/>
-                <a:latin typeface="Arial" pitchFamily="34" charset="0"/>
-                <a:ea typeface="微软雅黑" pitchFamily="34" charset="-122"/>
-                <a:cs typeface="Arial" charset="0"/>
-              </a:endParaRPr>
-            </a:p>
-          </p:txBody>
-        </p:sp>
-      </p:grpSp>
       <p:sp>
         <p:nvSpPr>
           <p:cNvPr id="37" name="文本框 36"/>
@@ -8870,8 +9626,8 @@
         </p:nvSpPr>
         <p:spPr>
           <a:xfrm>
-            <a:off x="2812872" y="3116562"/>
-            <a:ext cx="2149585" cy="344710"/>
+            <a:off x="2657233" y="2121742"/>
+            <a:ext cx="5659998" cy="1052596"/>
           </a:xfrm>
           <a:prstGeom prst="rect">
             <a:avLst/>
@@ -8884,181 +9640,238 @@
           </a:bodyPr>
           <a:lstStyle/>
           <a:p>
-            <a:pPr>
+            <a:pPr marL="342900" indent="-342900">
               <a:lnSpc>
                 <a:spcPct val="130000"/>
               </a:lnSpc>
+              <a:buFont typeface="+mj-lt"/>
+              <a:buAutoNum type="arabicPeriod"/>
             </a:pPr>
             <a:r>
-              <a:rPr kumimoji="1" lang="zh-CN" altLang="en-US" sz="1400" dirty="0" smtClean="0">
+              <a:rPr kumimoji="1" lang="en-US" altLang="zh-CN" sz="1600" dirty="0" smtClean="0">
                 <a:latin typeface="Arial" pitchFamily="34" charset="0"/>
                 <a:ea typeface="微软雅黑" pitchFamily="34" charset="-122"/>
               </a:rPr>
-              <a:t>计算量及消息传递数量</a:t>
-            </a:r>
+              <a:t>(</a:t>
+            </a:r>
+            <a:r>
+              <a:rPr kumimoji="1" lang="zh-CN" altLang="en-US" sz="1600" dirty="0" smtClean="0">
+                <a:latin typeface="Arial" pitchFamily="34" charset="0"/>
+                <a:ea typeface="微软雅黑" pitchFamily="34" charset="-122"/>
+              </a:rPr>
+              <a:t>训练策略</a:t>
+            </a:r>
+            <a:r>
+              <a:rPr kumimoji="1" lang="en-US" altLang="zh-CN" sz="1600" dirty="0" smtClean="0">
+                <a:latin typeface="Arial" pitchFamily="34" charset="0"/>
+                <a:ea typeface="微软雅黑" pitchFamily="34" charset="-122"/>
+              </a:rPr>
+              <a:t>)</a:t>
+            </a:r>
+            <a:r>
+              <a:rPr kumimoji="1" lang="zh-CN" altLang="en-US" sz="1600" dirty="0" smtClean="0">
+                <a:latin typeface="Arial" pitchFamily="34" charset="0"/>
+                <a:ea typeface="微软雅黑" pitchFamily="34" charset="-122"/>
+              </a:rPr>
+              <a:t> 是否依赖于</a:t>
+            </a:r>
+            <a:r>
+              <a:rPr kumimoji="1" lang="en-US" altLang="zh-CN" sz="1600" dirty="0" smtClean="0">
+                <a:latin typeface="Arial" pitchFamily="34" charset="0"/>
+                <a:ea typeface="微软雅黑" pitchFamily="34" charset="-122"/>
+              </a:rPr>
+              <a:t>query</a:t>
+            </a:r>
+            <a:r>
+              <a:rPr kumimoji="1" lang="zh-CN" altLang="en-US" sz="1600" dirty="0" smtClean="0">
+                <a:latin typeface="Arial" pitchFamily="34" charset="0"/>
+                <a:ea typeface="微软雅黑" pitchFamily="34" charset="-122"/>
+              </a:rPr>
+              <a:t>   </a:t>
+            </a:r>
+            <a:r>
+              <a:rPr kumimoji="1" lang="en-US" altLang="zh-CN" sz="1600" dirty="0" smtClean="0">
+                <a:latin typeface="Arial" pitchFamily="34" charset="0"/>
+                <a:ea typeface="微软雅黑" pitchFamily="34" charset="-122"/>
+              </a:rPr>
+              <a:t>(</a:t>
+            </a:r>
+            <a:r>
+              <a:rPr kumimoji="1" lang="en-US" altLang="zh-CN" sz="1600" dirty="0" err="1" smtClean="0">
+                <a:latin typeface="Arial" pitchFamily="34" charset="0"/>
+                <a:ea typeface="微软雅黑" pitchFamily="34" charset="-122"/>
+              </a:rPr>
+              <a:t>pagerank</a:t>
+            </a:r>
+            <a:r>
+              <a:rPr kumimoji="1" lang="en-US" altLang="zh-CN" sz="1600" dirty="0" smtClean="0">
+                <a:latin typeface="Arial" pitchFamily="34" charset="0"/>
+                <a:ea typeface="微软雅黑" pitchFamily="34" charset="-122"/>
+              </a:rPr>
+              <a:t>)   (</a:t>
+            </a:r>
+            <a:r>
+              <a:rPr kumimoji="1" lang="en-US" altLang="zh-CN" sz="1600" dirty="0" err="1" smtClean="0">
+                <a:latin typeface="Arial" pitchFamily="34" charset="0"/>
+                <a:ea typeface="微软雅黑" pitchFamily="34" charset="-122"/>
+              </a:rPr>
+              <a:t>sssp</a:t>
+            </a:r>
+            <a:r>
+              <a:rPr kumimoji="1" lang="en-US" altLang="zh-CN" sz="1600" dirty="0" smtClean="0">
+                <a:latin typeface="Arial" pitchFamily="34" charset="0"/>
+                <a:ea typeface="微软雅黑" pitchFamily="34" charset="-122"/>
+              </a:rPr>
+              <a:t>)</a:t>
+            </a:r>
+          </a:p>
+          <a:p>
+            <a:pPr marL="342900" indent="-342900">
+              <a:lnSpc>
+                <a:spcPct val="130000"/>
+              </a:lnSpc>
+              <a:buFont typeface="+mj-lt"/>
+              <a:buAutoNum type="arabicPeriod"/>
+            </a:pPr>
+            <a:endParaRPr kumimoji="1" lang="en-US" altLang="zh-CN" sz="1600" dirty="0" smtClean="0">
+              <a:latin typeface="Arial" pitchFamily="34" charset="0"/>
+              <a:ea typeface="微软雅黑" pitchFamily="34" charset="-122"/>
+            </a:endParaRPr>
+          </a:p>
+          <a:p>
+            <a:pPr marL="342900" indent="-342900">
+              <a:lnSpc>
+                <a:spcPct val="130000"/>
+              </a:lnSpc>
+              <a:buFont typeface="+mj-lt"/>
+              <a:buAutoNum type="arabicPeriod"/>
+            </a:pPr>
+            <a:r>
+              <a:rPr kumimoji="1" lang="en-US" altLang="zh-CN" sz="1600" dirty="0" smtClean="0">
+                <a:latin typeface="Arial" pitchFamily="34" charset="0"/>
+                <a:ea typeface="微软雅黑" pitchFamily="34" charset="-122"/>
+              </a:rPr>
+              <a:t>(</a:t>
+            </a:r>
+            <a:r>
+              <a:rPr kumimoji="1" lang="zh-CN" altLang="en-US" sz="1600" dirty="0" smtClean="0">
+                <a:latin typeface="Arial" pitchFamily="34" charset="0"/>
+                <a:ea typeface="微软雅黑" pitchFamily="34" charset="-122"/>
+              </a:rPr>
+              <a:t>特征提取</a:t>
+            </a:r>
+            <a:r>
+              <a:rPr kumimoji="1" lang="en-US" altLang="zh-CN" sz="1600" dirty="0" smtClean="0">
+                <a:latin typeface="Arial" pitchFamily="34" charset="0"/>
+                <a:ea typeface="微软雅黑" pitchFamily="34" charset="-122"/>
+              </a:rPr>
+              <a:t>)</a:t>
+            </a:r>
+            <a:r>
+              <a:rPr kumimoji="1" lang="zh-CN" altLang="en-US" sz="1600" dirty="0" smtClean="0">
+                <a:latin typeface="Arial" pitchFamily="34" charset="0"/>
+                <a:ea typeface="微软雅黑" pitchFamily="34" charset="-122"/>
+              </a:rPr>
+              <a:t> 是否依赖于消息传递的数量</a:t>
+            </a:r>
+            <a:endParaRPr kumimoji="1" lang="zh-CN" altLang="en-US" sz="1600" dirty="0" smtClean="0">
+              <a:latin typeface="Arial" pitchFamily="34" charset="0"/>
+              <a:ea typeface="微软雅黑" pitchFamily="34" charset="-122"/>
+            </a:endParaRPr>
           </a:p>
         </p:txBody>
       </p:sp>
-      <p:grpSp>
-        <p:nvGrpSpPr>
-          <p:cNvPr id="38" name="组合 8"/>
-          <p:cNvGrpSpPr/>
-          <p:nvPr/>
-        </p:nvGrpSpPr>
-        <p:grpSpPr>
-          <a:xfrm>
-            <a:off x="2299093" y="4046806"/>
-            <a:ext cx="2730500" cy="368300"/>
-            <a:chOff x="3195" y="7631"/>
-            <a:chExt cx="4300" cy="580"/>
-          </a:xfrm>
-        </p:grpSpPr>
-        <p:sp>
-          <p:nvSpPr>
-            <p:cNvPr id="39" name="L 形 38"/>
-            <p:cNvSpPr/>
-            <p:nvPr/>
-          </p:nvSpPr>
-          <p:spPr>
-            <a:xfrm>
-              <a:off x="3477" y="7986"/>
-              <a:ext cx="4019" cy="225"/>
-            </a:xfrm>
-            <a:prstGeom prst="corner">
-              <a:avLst/>
-            </a:prstGeom>
-            <a:solidFill>
-              <a:schemeClr val="accent5"/>
-            </a:solidFill>
-            <a:ln>
-              <a:noFill/>
-            </a:ln>
-          </p:spPr>
-          <p:style>
-            <a:lnRef idx="2">
-              <a:schemeClr val="accent1">
-                <a:shade val="50000"/>
-              </a:schemeClr>
-            </a:lnRef>
-            <a:fillRef idx="1">
-              <a:schemeClr val="accent1"/>
-            </a:fillRef>
-            <a:effectRef idx="0">
-              <a:schemeClr val="accent1"/>
-            </a:effectRef>
-            <a:fontRef idx="minor">
-              <a:schemeClr val="lt1"/>
-            </a:fontRef>
-          </p:style>
-          <p:txBody>
-            <a:bodyPr rtlCol="0" anchor="ctr"/>
-            <a:lstStyle/>
-            <a:p>
-              <a:pPr algn="ctr"/>
-              <a:endParaRPr lang="zh-CN" altLang="en-US"/>
-            </a:p>
-          </p:txBody>
-        </p:sp>
-        <p:sp>
-          <p:nvSpPr>
-            <p:cNvPr id="40" name="文本框 39"/>
-            <p:cNvSpPr txBox="1"/>
-            <p:nvPr/>
-          </p:nvSpPr>
-          <p:spPr>
-            <a:xfrm>
-              <a:off x="3195" y="7631"/>
-              <a:ext cx="565" cy="580"/>
-            </a:xfrm>
-            <a:prstGeom prst="rect">
-              <a:avLst/>
-            </a:prstGeom>
-            <a:solidFill>
-              <a:schemeClr val="accent5"/>
-            </a:solidFill>
-          </p:spPr>
-          <p:txBody>
-            <a:bodyPr wrap="none" rtlCol="0">
-              <a:spAutoFit/>
-            </a:bodyPr>
-            <a:lstStyle/>
-            <a:p>
-              <a:pPr algn="l">
-                <a:lnSpc>
-                  <a:spcPct val="130000"/>
-                </a:lnSpc>
-              </a:pPr>
-              <a:r>
-                <a:rPr lang="zh-CN" altLang="en-US" sz="1400" dirty="0" smtClean="0">
-                  <a:solidFill>
-                    <a:schemeClr val="tx2"/>
-                  </a:solidFill>
-                  <a:uFillTx/>
-                  <a:latin typeface="Arial" pitchFamily="34" charset="0"/>
-                  <a:ea typeface="微软雅黑" pitchFamily="34" charset="-122"/>
-                  <a:cs typeface="Arial" charset="0"/>
-                  <a:sym typeface="+mn-ea"/>
-                </a:rPr>
-                <a:t>▲</a:t>
-              </a:r>
-              <a:endParaRPr lang="zh-CN" altLang="en-US" sz="1400" dirty="0" smtClean="0">
-                <a:solidFill>
-                  <a:schemeClr val="tx2"/>
-                </a:solidFill>
-                <a:uFillTx/>
-                <a:latin typeface="Arial" pitchFamily="34" charset="0"/>
-                <a:ea typeface="微软雅黑" pitchFamily="34" charset="-122"/>
-                <a:cs typeface="Arial" charset="0"/>
-              </a:endParaRPr>
-            </a:p>
-          </p:txBody>
-        </p:sp>
-      </p:grpSp>
       <p:sp>
         <p:nvSpPr>
-          <p:cNvPr id="41" name="文本框 40"/>
-          <p:cNvSpPr txBox="1"/>
+          <p:cNvPr id="3" name="矩形 2"/>
+          <p:cNvSpPr/>
           <p:nvPr/>
         </p:nvSpPr>
         <p:spPr>
           <a:xfrm>
-            <a:off x="2813507" y="3939813"/>
-            <a:ext cx="2149585" cy="344710"/>
+            <a:off x="1515305" y="4055329"/>
+            <a:ext cx="8924730" cy="1532727"/>
           </a:xfrm>
           <a:prstGeom prst="rect">
             <a:avLst/>
           </a:prstGeom>
-          <a:noFill/>
         </p:spPr>
         <p:txBody>
-          <a:bodyPr wrap="square" rtlCol="0">
+          <a:bodyPr wrap="square">
             <a:spAutoFit/>
           </a:bodyPr>
           <a:lstStyle/>
           <a:p>
-            <a:pPr>
+            <a:pPr marL="285750" indent="-285750">
               <a:lnSpc>
                 <a:spcPct val="130000"/>
               </a:lnSpc>
+              <a:buFont typeface="Arial" charset="0"/>
+              <a:buChar char="•"/>
             </a:pPr>
             <a:r>
-              <a:rPr kumimoji="1" lang="zh-CN" altLang="en-US" sz="1400" dirty="0" smtClean="0">
-                <a:latin typeface="Arial" pitchFamily="34" charset="0"/>
-                <a:ea typeface="微软雅黑" pitchFamily="34" charset="-122"/>
-              </a:rPr>
-              <a:t>是否依赖于 </a:t>
-            </a:r>
-            <a:r>
-              <a:rPr kumimoji="1" lang="en-US" altLang="zh-CN" sz="1400" dirty="0" smtClean="0">
-                <a:latin typeface="Arial" pitchFamily="34" charset="0"/>
-                <a:ea typeface="微软雅黑" pitchFamily="34" charset="-122"/>
-              </a:rPr>
-              <a:t>query</a:t>
-            </a:r>
-            <a:endParaRPr kumimoji="1" lang="zh-CN" altLang="en-US" sz="1400" dirty="0" smtClean="0">
-              <a:latin typeface="Arial" pitchFamily="34" charset="0"/>
-              <a:ea typeface="微软雅黑" pitchFamily="34" charset="-122"/>
-            </a:endParaRPr>
+              <a:rPr lang="zh-CN" altLang="zh-CN" dirty="0" smtClean="0"/>
+              <a:t>单</a:t>
+            </a:r>
+            <a:r>
+              <a:rPr lang="zh-CN" altLang="zh-CN" dirty="0"/>
+              <a:t>源最短路径、模式匹配、广度优先搜索、协同过滤</a:t>
+            </a:r>
+            <a:r>
+              <a:rPr lang="en-US" altLang="zh-CN" dirty="0"/>
+              <a:t>(</a:t>
+            </a:r>
+            <a:r>
+              <a:rPr lang="zh-CN" altLang="zh-CN" dirty="0"/>
+              <a:t>矩阵分解</a:t>
+            </a:r>
+            <a:r>
+              <a:rPr lang="en-US" altLang="zh-CN" dirty="0"/>
+              <a:t>)</a:t>
+            </a:r>
+            <a:r>
+              <a:rPr lang="zh-CN" altLang="zh-CN" dirty="0"/>
+              <a:t>、</a:t>
+            </a:r>
+            <a:r>
+              <a:rPr lang="zh-CN" altLang="en-US" dirty="0"/>
+              <a:t>页面分值排序</a:t>
+            </a:r>
+            <a:r>
+              <a:rPr lang="zh-CN" altLang="zh-CN" dirty="0"/>
+              <a:t>、标签传播等图应用算法，</a:t>
+            </a:r>
+            <a:r>
+              <a:rPr lang="zh-CN" altLang="en-US" dirty="0"/>
+              <a:t>进行分类。</a:t>
+            </a:r>
+            <a:endParaRPr lang="en-US" altLang="zh-CN" dirty="0"/>
+          </a:p>
+          <a:p>
+            <a:pPr marL="285750" indent="-285750">
+              <a:lnSpc>
+                <a:spcPct val="130000"/>
+              </a:lnSpc>
+              <a:buFont typeface="Arial" charset="0"/>
+              <a:buChar char="•"/>
+            </a:pPr>
+            <a:r>
+              <a:rPr lang="zh-CN" altLang="zh-CN" dirty="0"/>
+              <a:t>提取不同的特征，并采用不用的训练策略，</a:t>
+            </a:r>
+            <a:r>
+              <a:rPr lang="zh-CN" altLang="en-US" dirty="0"/>
+              <a:t>通用的</a:t>
+            </a:r>
+            <a:r>
+              <a:rPr lang="zh-CN" altLang="zh-CN" dirty="0"/>
+              <a:t>预测思路及预测模型 </a:t>
+            </a:r>
+            <a:r>
+              <a:rPr lang="zh-CN" altLang="en-US" dirty="0"/>
+              <a:t>，甚至是参数调节方向。</a:t>
+            </a:r>
+            <a:endParaRPr lang="en-US" altLang="zh-CN" dirty="0"/>
           </a:p>
         </p:txBody>
       </p:sp>
@@ -9182,240 +9995,6 @@
                                         </p:cTn>
                                         <p:tgtEl>
                                           <p:spTgt spid="30"/>
-                                        </p:tgtEl>
-                                        <p:attrNameLst>
-                                          <p:attrName>ppt_y</p:attrName>
-                                        </p:attrNameLst>
-                                      </p:cBhvr>
-                                      <p:tavLst>
-                                        <p:tav tm="0">
-                                          <p:val>
-                                            <p:strVal val="#ppt_y-.03"/>
-                                          </p:val>
-                                        </p:tav>
-                                        <p:tav tm="100000">
-                                          <p:val>
-                                            <p:strVal val="#ppt_y"/>
-                                          </p:val>
-                                        </p:tav>
-                                      </p:tavLst>
-                                    </p:anim>
-                                  </p:childTnLst>
-                                </p:cTn>
-                              </p:par>
-                            </p:childTnLst>
-                          </p:cTn>
-                        </p:par>
-                        <p:par>
-                          <p:cTn id="11" fill="hold">
-                            <p:stCondLst>
-                              <p:cond delay="1000"/>
-                            </p:stCondLst>
-                            <p:childTnLst>
-                              <p:par>
-                                <p:cTn id="12" presetID="37" presetClass="entr" presetSubtype="0" fill="hold" nodeType="afterEffect">
-                                  <p:stCondLst>
-                                    <p:cond delay="0"/>
-                                  </p:stCondLst>
-                                  <p:childTnLst>
-                                    <p:set>
-                                      <p:cBhvr>
-                                        <p:cTn id="13" dur="1" fill="hold">
-                                          <p:stCondLst>
-                                            <p:cond delay="0"/>
-                                          </p:stCondLst>
-                                        </p:cTn>
-                                        <p:tgtEl>
-                                          <p:spTgt spid="34"/>
-                                        </p:tgtEl>
-                                        <p:attrNameLst>
-                                          <p:attrName>style.visibility</p:attrName>
-                                        </p:attrNameLst>
-                                      </p:cBhvr>
-                                      <p:to>
-                                        <p:strVal val="visible"/>
-                                      </p:to>
-                                    </p:set>
-                                    <p:animEffect transition="in" filter="fade">
-                                      <p:cBhvr>
-                                        <p:cTn id="14" dur="1000"/>
-                                        <p:tgtEl>
-                                          <p:spTgt spid="34"/>
-                                        </p:tgtEl>
-                                      </p:cBhvr>
-                                    </p:animEffect>
-                                    <p:anim calcmode="lin" valueType="num">
-                                      <p:cBhvr>
-                                        <p:cTn id="15" dur="1000" fill="hold"/>
-                                        <p:tgtEl>
-                                          <p:spTgt spid="34"/>
-                                        </p:tgtEl>
-                                        <p:attrNameLst>
-                                          <p:attrName>ppt_x</p:attrName>
-                                        </p:attrNameLst>
-                                      </p:cBhvr>
-                                      <p:tavLst>
-                                        <p:tav tm="0">
-                                          <p:val>
-                                            <p:strVal val="#ppt_x"/>
-                                          </p:val>
-                                        </p:tav>
-                                        <p:tav tm="100000">
-                                          <p:val>
-                                            <p:strVal val="#ppt_x"/>
-                                          </p:val>
-                                        </p:tav>
-                                      </p:tavLst>
-                                    </p:anim>
-                                    <p:anim calcmode="lin" valueType="num">
-                                      <p:cBhvr>
-                                        <p:cTn id="16" dur="900" decel="100000" fill="hold"/>
-                                        <p:tgtEl>
-                                          <p:spTgt spid="34"/>
-                                        </p:tgtEl>
-                                        <p:attrNameLst>
-                                          <p:attrName>ppt_y</p:attrName>
-                                        </p:attrNameLst>
-                                      </p:cBhvr>
-                                      <p:tavLst>
-                                        <p:tav tm="0">
-                                          <p:val>
-                                            <p:strVal val="#ppt_y+1"/>
-                                          </p:val>
-                                        </p:tav>
-                                        <p:tav tm="100000">
-                                          <p:val>
-                                            <p:strVal val="#ppt_y-.03"/>
-                                          </p:val>
-                                        </p:tav>
-                                      </p:tavLst>
-                                    </p:anim>
-                                    <p:anim calcmode="lin" valueType="num">
-                                      <p:cBhvr>
-                                        <p:cTn id="17" dur="100" accel="100000" fill="hold">
-                                          <p:stCondLst>
-                                            <p:cond delay="900"/>
-                                          </p:stCondLst>
-                                        </p:cTn>
-                                        <p:tgtEl>
-                                          <p:spTgt spid="34"/>
-                                        </p:tgtEl>
-                                        <p:attrNameLst>
-                                          <p:attrName>ppt_y</p:attrName>
-                                        </p:attrNameLst>
-                                      </p:cBhvr>
-                                      <p:tavLst>
-                                        <p:tav tm="0">
-                                          <p:val>
-                                            <p:strVal val="#ppt_y-.03"/>
-                                          </p:val>
-                                        </p:tav>
-                                        <p:tav tm="100000">
-                                          <p:val>
-                                            <p:strVal val="#ppt_y"/>
-                                          </p:val>
-                                        </p:tav>
-                                      </p:tavLst>
-                                    </p:anim>
-                                  </p:childTnLst>
-                                </p:cTn>
-                              </p:par>
-                            </p:childTnLst>
-                          </p:cTn>
-                        </p:par>
-                        <p:par>
-                          <p:cTn id="18" fill="hold">
-                            <p:stCondLst>
-                              <p:cond delay="2000"/>
-                            </p:stCondLst>
-                            <p:childTnLst>
-                              <p:par>
-                                <p:cTn id="19" presetID="37" presetClass="entr" presetSubtype="0" fill="hold" nodeType="afterEffect">
-                                  <p:stCondLst>
-                                    <p:cond delay="0"/>
-                                  </p:stCondLst>
-                                  <p:childTnLst>
-                                    <p:set>
-                                      <p:cBhvr>
-                                        <p:cTn id="20" dur="1" fill="hold">
-                                          <p:stCondLst>
-                                            <p:cond delay="0"/>
-                                          </p:stCondLst>
-                                        </p:cTn>
-                                        <p:tgtEl>
-                                          <p:spTgt spid="38"/>
-                                        </p:tgtEl>
-                                        <p:attrNameLst>
-                                          <p:attrName>style.visibility</p:attrName>
-                                        </p:attrNameLst>
-                                      </p:cBhvr>
-                                      <p:to>
-                                        <p:strVal val="visible"/>
-                                      </p:to>
-                                    </p:set>
-                                    <p:animEffect transition="in" filter="fade">
-                                      <p:cBhvr>
-                                        <p:cTn id="21" dur="1000"/>
-                                        <p:tgtEl>
-                                          <p:spTgt spid="38"/>
-                                        </p:tgtEl>
-                                      </p:cBhvr>
-                                    </p:animEffect>
-                                    <p:anim calcmode="lin" valueType="num">
-                                      <p:cBhvr>
-                                        <p:cTn id="22" dur="1000" fill="hold"/>
-                                        <p:tgtEl>
-                                          <p:spTgt spid="38"/>
-                                        </p:tgtEl>
-                                        <p:attrNameLst>
-                                          <p:attrName>ppt_x</p:attrName>
-                                        </p:attrNameLst>
-                                      </p:cBhvr>
-                                      <p:tavLst>
-                                        <p:tav tm="0">
-                                          <p:val>
-                                            <p:strVal val="#ppt_x"/>
-                                          </p:val>
-                                        </p:tav>
-                                        <p:tav tm="100000">
-                                          <p:val>
-                                            <p:strVal val="#ppt_x"/>
-                                          </p:val>
-                                        </p:tav>
-                                      </p:tavLst>
-                                    </p:anim>
-                                    <p:anim calcmode="lin" valueType="num">
-                                      <p:cBhvr>
-                                        <p:cTn id="23" dur="900" decel="100000" fill="hold"/>
-                                        <p:tgtEl>
-                                          <p:spTgt spid="38"/>
-                                        </p:tgtEl>
-                                        <p:attrNameLst>
-                                          <p:attrName>ppt_y</p:attrName>
-                                        </p:attrNameLst>
-                                      </p:cBhvr>
-                                      <p:tavLst>
-                                        <p:tav tm="0">
-                                          <p:val>
-                                            <p:strVal val="#ppt_y+1"/>
-                                          </p:val>
-                                        </p:tav>
-                                        <p:tav tm="100000">
-                                          <p:val>
-                                            <p:strVal val="#ppt_y-.03"/>
-                                          </p:val>
-                                        </p:tav>
-                                      </p:tavLst>
-                                    </p:anim>
-                                    <p:anim calcmode="lin" valueType="num">
-                                      <p:cBhvr>
-                                        <p:cTn id="24" dur="100" accel="100000" fill="hold">
-                                          <p:stCondLst>
-                                            <p:cond delay="900"/>
-                                          </p:stCondLst>
-                                        </p:cTn>
-                                        <p:tgtEl>
-                                          <p:spTgt spid="38"/>
                                         </p:tgtEl>
                                         <p:attrNameLst>
                                           <p:attrName>ppt_y</p:attrName>
@@ -9634,10 +10213,6 @@
               </a:rPr>
               <a:t>模型训练与预测</a:t>
             </a:r>
-            <a:endParaRPr kumimoji="1" lang="zh-CN" altLang="en-US" dirty="0" smtClean="0">
-              <a:latin typeface="Arial" pitchFamily="34" charset="0"/>
-              <a:ea typeface="微软雅黑" pitchFamily="34" charset="-122"/>
-            </a:endParaRPr>
           </a:p>
         </p:txBody>
       </p:sp>
@@ -9650,7 +10225,7 @@
         <p:spPr>
           <a:xfrm>
             <a:off x="2042310" y="1272438"/>
-            <a:ext cx="8640000" cy="1986954"/>
+            <a:ext cx="8640000" cy="1827616"/>
           </a:xfrm>
           <a:prstGeom prst="rect">
             <a:avLst/>
@@ -9670,10 +10245,14 @@
               <a:buAutoNum type="arabicParenR"/>
             </a:pPr>
             <a:r>
-              <a:rPr lang="zh-CN" altLang="en-US" sz="2000" dirty="0" smtClean="0"/>
-              <a:t>收集训练数据，尽可能保证训练数据最优</a:t>
-            </a:r>
-            <a:endParaRPr lang="en-US" altLang="zh-CN" sz="2000" dirty="0" smtClean="0"/>
+              <a:rPr lang="zh-CN" altLang="en-US" dirty="0" smtClean="0"/>
+              <a:t>收集训练数据，</a:t>
+            </a:r>
+            <a:r>
+              <a:rPr lang="zh-CN" altLang="en-US" b="1" dirty="0" smtClean="0"/>
+              <a:t>尽可能保证训练数据最优</a:t>
+            </a:r>
+            <a:endParaRPr lang="en-US" altLang="zh-CN" b="1" dirty="0" smtClean="0"/>
           </a:p>
           <a:p>
             <a:pPr marL="342900" indent="-342900">
@@ -9683,10 +10262,10 @@
               <a:buAutoNum type="arabicParenR"/>
             </a:pPr>
             <a:r>
-              <a:rPr lang="zh-CN" altLang="en-US" sz="2000" dirty="0" smtClean="0"/>
+              <a:rPr lang="zh-CN" altLang="en-US" b="1" dirty="0" smtClean="0"/>
               <a:t>针对某一图算法提取特征</a:t>
             </a:r>
-            <a:endParaRPr lang="en-US" altLang="zh-CN" sz="2000" dirty="0" smtClean="0"/>
+            <a:endParaRPr lang="en-US" altLang="zh-CN" b="1" dirty="0" smtClean="0"/>
           </a:p>
           <a:p>
             <a:pPr marL="342900" indent="-342900">
@@ -9696,10 +10275,10 @@
               <a:buAutoNum type="arabicParenR"/>
             </a:pPr>
             <a:r>
-              <a:rPr lang="zh-CN" altLang="en-US" sz="2000" dirty="0" smtClean="0"/>
+              <a:rPr lang="zh-CN" altLang="en-US" dirty="0" smtClean="0"/>
               <a:t>选取多种机器学习模型进行训练、测试</a:t>
             </a:r>
-            <a:endParaRPr lang="en-US" altLang="zh-CN" sz="2000" dirty="0" smtClean="0"/>
+            <a:endParaRPr lang="en-US" altLang="zh-CN" dirty="0" smtClean="0"/>
           </a:p>
           <a:p>
             <a:pPr marL="342900" indent="-342900">
@@ -9709,14 +10288,10 @@
               <a:buAutoNum type="arabicParenR"/>
             </a:pPr>
             <a:r>
-              <a:rPr lang="zh-CN" altLang="en-US" sz="2000" dirty="0" smtClean="0"/>
-              <a:t>选取效果最好的做为最终的预测器，并嵌入图计算系统</a:t>
-            </a:r>
-            <a:r>
-              <a:rPr lang="zh-CN" altLang="en-US" sz="2000" dirty="0" smtClean="0"/>
-              <a:t>中</a:t>
-            </a:r>
-            <a:endParaRPr lang="en-US" altLang="zh-CN" sz="2000" dirty="0" smtClean="0"/>
+              <a:rPr lang="zh-CN" altLang="en-US" dirty="0" smtClean="0"/>
+              <a:t>选取效果最好的做为最终的预测器，并嵌入图计算系统中</a:t>
+            </a:r>
+            <a:endParaRPr lang="en-US" altLang="zh-CN" dirty="0" smtClean="0"/>
           </a:p>
           <a:p>
             <a:pPr marL="342900" indent="-342900">
@@ -9729,121 +10304,6 @@
           </a:p>
         </p:txBody>
       </p:sp>
-      <p:grpSp>
-        <p:nvGrpSpPr>
-          <p:cNvPr id="16" name="组合 8"/>
-          <p:cNvGrpSpPr/>
-          <p:nvPr/>
-        </p:nvGrpSpPr>
-        <p:grpSpPr>
-          <a:xfrm>
-            <a:off x="2264070" y="3294883"/>
-            <a:ext cx="2730500" cy="368300"/>
-            <a:chOff x="3195" y="7631"/>
-            <a:chExt cx="4300" cy="580"/>
-          </a:xfrm>
-        </p:grpSpPr>
-        <p:sp>
-          <p:nvSpPr>
-            <p:cNvPr id="17" name="L 形 16"/>
-            <p:cNvSpPr/>
-            <p:nvPr/>
-          </p:nvSpPr>
-          <p:spPr>
-            <a:xfrm>
-              <a:off x="3477" y="7986"/>
-              <a:ext cx="4019" cy="225"/>
-            </a:xfrm>
-            <a:prstGeom prst="corner">
-              <a:avLst/>
-            </a:prstGeom>
-            <a:solidFill>
-              <a:schemeClr val="accent5"/>
-            </a:solidFill>
-            <a:ln>
-              <a:noFill/>
-            </a:ln>
-          </p:spPr>
-          <p:style>
-            <a:lnRef idx="2">
-              <a:schemeClr val="accent1">
-                <a:shade val="50000"/>
-              </a:schemeClr>
-            </a:lnRef>
-            <a:fillRef idx="1">
-              <a:schemeClr val="accent1"/>
-            </a:fillRef>
-            <a:effectRef idx="0">
-              <a:schemeClr val="accent1"/>
-            </a:effectRef>
-            <a:fontRef idx="minor">
-              <a:schemeClr val="lt1"/>
-            </a:fontRef>
-          </p:style>
-          <p:txBody>
-            <a:bodyPr rtlCol="0" anchor="ctr"/>
-            <a:lstStyle/>
-            <a:p>
-              <a:pPr algn="ctr"/>
-              <a:endParaRPr lang="zh-CN" altLang="en-US"/>
-            </a:p>
-          </p:txBody>
-        </p:sp>
-        <p:sp>
-          <p:nvSpPr>
-            <p:cNvPr id="18" name="文本框 17"/>
-            <p:cNvSpPr txBox="1"/>
-            <p:nvPr/>
-          </p:nvSpPr>
-          <p:spPr>
-            <a:xfrm>
-              <a:off x="3195" y="7631"/>
-              <a:ext cx="565" cy="580"/>
-            </a:xfrm>
-            <a:prstGeom prst="rect">
-              <a:avLst/>
-            </a:prstGeom>
-            <a:solidFill>
-              <a:schemeClr val="accent5"/>
-            </a:solidFill>
-          </p:spPr>
-          <p:txBody>
-            <a:bodyPr wrap="none" rtlCol="0">
-              <a:spAutoFit/>
-            </a:bodyPr>
-            <a:lstStyle/>
-            <a:p>
-              <a:pPr algn="l">
-                <a:lnSpc>
-                  <a:spcPct val="130000"/>
-                </a:lnSpc>
-              </a:pPr>
-              <a:r>
-                <a:rPr lang="zh-CN" altLang="en-US" sz="1400" dirty="0" smtClean="0">
-                  <a:solidFill>
-                    <a:schemeClr val="tx2"/>
-                  </a:solidFill>
-                  <a:uFillTx/>
-                  <a:latin typeface="Arial" pitchFamily="34" charset="0"/>
-                  <a:ea typeface="微软雅黑" pitchFamily="34" charset="-122"/>
-                  <a:cs typeface="Arial" charset="0"/>
-                  <a:sym typeface="+mn-ea"/>
-                </a:rPr>
-                <a:t>▲</a:t>
-              </a:r>
-              <a:endParaRPr lang="zh-CN" altLang="en-US" sz="1400" dirty="0" smtClean="0">
-                <a:solidFill>
-                  <a:schemeClr val="tx2"/>
-                </a:solidFill>
-                <a:uFillTx/>
-                <a:latin typeface="Arial" pitchFamily="34" charset="0"/>
-                <a:ea typeface="微软雅黑" pitchFamily="34" charset="-122"/>
-                <a:cs typeface="Arial" charset="0"/>
-              </a:endParaRPr>
-            </a:p>
-          </p:txBody>
-        </p:sp>
-      </p:grpSp>
       <p:sp>
         <p:nvSpPr>
           <p:cNvPr id="19" name="文本框 18"/>
@@ -9852,8 +10312,8 @@
         </p:nvSpPr>
         <p:spPr>
           <a:xfrm>
-            <a:off x="2778484" y="3187890"/>
-            <a:ext cx="2149585" cy="344710"/>
+            <a:off x="2611632" y="3844746"/>
+            <a:ext cx="4525286" cy="1972848"/>
           </a:xfrm>
           <a:prstGeom prst="rect">
             <a:avLst/>
@@ -9866,146 +10326,130 @@
           </a:bodyPr>
           <a:lstStyle/>
           <a:p>
-            <a:pPr>
+            <a:pPr marL="342900" indent="-342900">
               <a:lnSpc>
                 <a:spcPct val="130000"/>
               </a:lnSpc>
+              <a:buFont typeface="+mj-lt"/>
+              <a:buAutoNum type="arabicPeriod"/>
             </a:pPr>
             <a:r>
-              <a:rPr kumimoji="1" lang="zh-CN" altLang="en-US" sz="1400" dirty="0" smtClean="0">
+              <a:rPr kumimoji="1" lang="zh-CN" altLang="en-US" sz="1600" dirty="0">
                 <a:latin typeface="Arial" pitchFamily="34" charset="0"/>
                 <a:ea typeface="微软雅黑" pitchFamily="34" charset="-122"/>
               </a:rPr>
               <a:t>岭回归模型</a:t>
             </a:r>
+            <a:endParaRPr kumimoji="1" lang="en-US" altLang="zh-CN" sz="1600" dirty="0">
+              <a:latin typeface="Arial" pitchFamily="34" charset="0"/>
+              <a:ea typeface="微软雅黑" pitchFamily="34" charset="-122"/>
+            </a:endParaRPr>
+          </a:p>
+          <a:p>
+            <a:pPr marL="342900" indent="-342900">
+              <a:lnSpc>
+                <a:spcPct val="130000"/>
+              </a:lnSpc>
+              <a:buFont typeface="+mj-lt"/>
+              <a:buAutoNum type="arabicPeriod"/>
+            </a:pPr>
+            <a:endParaRPr kumimoji="1" lang="en-US" altLang="zh-CN" sz="1600" dirty="0">
+              <a:latin typeface="Arial" pitchFamily="34" charset="0"/>
+              <a:ea typeface="微软雅黑" pitchFamily="34" charset="-122"/>
+            </a:endParaRPr>
+          </a:p>
+          <a:p>
+            <a:pPr marL="342900" indent="-342900">
+              <a:lnSpc>
+                <a:spcPct val="130000"/>
+              </a:lnSpc>
+              <a:buFont typeface="+mj-lt"/>
+              <a:buAutoNum type="arabicPeriod"/>
+            </a:pPr>
+            <a:r>
+              <a:rPr kumimoji="1" lang="zh-CN" altLang="zh-CN" sz="1600" dirty="0">
+                <a:latin typeface="Arial" pitchFamily="34" charset="0"/>
+                <a:ea typeface="微软雅黑" pitchFamily="34" charset="-122"/>
+              </a:rPr>
+              <a:t>局部加权线性回归</a:t>
+            </a:r>
+            <a:r>
+              <a:rPr kumimoji="1" lang="zh-CN" altLang="en-US" sz="1600" dirty="0">
+                <a:latin typeface="Arial" pitchFamily="34" charset="0"/>
+                <a:ea typeface="微软雅黑" pitchFamily="34" charset="-122"/>
+              </a:rPr>
+              <a:t>模型</a:t>
+            </a:r>
+            <a:endParaRPr kumimoji="1" lang="en-US" altLang="zh-CN" sz="1600" dirty="0">
+              <a:latin typeface="Arial" pitchFamily="34" charset="0"/>
+              <a:ea typeface="微软雅黑" pitchFamily="34" charset="-122"/>
+            </a:endParaRPr>
+          </a:p>
+          <a:p>
+            <a:pPr marL="342900" indent="-342900">
+              <a:lnSpc>
+                <a:spcPct val="130000"/>
+              </a:lnSpc>
+              <a:buFont typeface="+mj-lt"/>
+              <a:buAutoNum type="arabicPeriod"/>
+            </a:pPr>
+            <a:endParaRPr kumimoji="1" lang="en-US" altLang="zh-CN" sz="1600" dirty="0">
+              <a:latin typeface="Arial" pitchFamily="34" charset="0"/>
+              <a:ea typeface="微软雅黑" pitchFamily="34" charset="-122"/>
+            </a:endParaRPr>
+          </a:p>
+          <a:p>
+            <a:pPr marL="342900" indent="-342900">
+              <a:lnSpc>
+                <a:spcPct val="130000"/>
+              </a:lnSpc>
+              <a:buFont typeface="+mj-lt"/>
+              <a:buAutoNum type="arabicPeriod"/>
+            </a:pPr>
+            <a:r>
+              <a:rPr kumimoji="1" lang="zh-CN" altLang="en-US" sz="1600" dirty="0">
+                <a:latin typeface="Arial" pitchFamily="34" charset="0"/>
+                <a:ea typeface="微软雅黑" pitchFamily="34" charset="-122"/>
+              </a:rPr>
+              <a:t>随机森林</a:t>
+            </a:r>
+            <a:r>
+              <a:rPr kumimoji="1" lang="zh-CN" altLang="en-US" sz="1600" dirty="0" smtClean="0">
+                <a:latin typeface="Arial" pitchFamily="34" charset="0"/>
+                <a:ea typeface="微软雅黑" pitchFamily="34" charset="-122"/>
+              </a:rPr>
+              <a:t>模型</a:t>
+            </a:r>
+            <a:endParaRPr kumimoji="1" lang="en-US" altLang="zh-CN" sz="1400" dirty="0" smtClean="0">
+              <a:latin typeface="Arial" pitchFamily="34" charset="0"/>
+              <a:ea typeface="微软雅黑" pitchFamily="34" charset="-122"/>
+            </a:endParaRPr>
+          </a:p>
+          <a:p>
+            <a:pPr marL="342900" indent="-342900">
+              <a:lnSpc>
+                <a:spcPct val="130000"/>
+              </a:lnSpc>
+              <a:buFont typeface="+mj-lt"/>
+              <a:buAutoNum type="arabicPeriod"/>
+            </a:pPr>
+            <a:endParaRPr kumimoji="1" lang="zh-CN" altLang="en-US" sz="1400" dirty="0" smtClean="0">
+              <a:latin typeface="Arial" pitchFamily="34" charset="0"/>
+              <a:ea typeface="微软雅黑" pitchFamily="34" charset="-122"/>
+            </a:endParaRPr>
           </a:p>
         </p:txBody>
       </p:sp>
-      <p:grpSp>
-        <p:nvGrpSpPr>
-          <p:cNvPr id="20" name="组合 8"/>
-          <p:cNvGrpSpPr/>
-          <p:nvPr/>
-        </p:nvGrpSpPr>
-        <p:grpSpPr>
-          <a:xfrm>
-            <a:off x="2264070" y="4041250"/>
-            <a:ext cx="2730500" cy="368300"/>
-            <a:chOff x="3195" y="7631"/>
-            <a:chExt cx="4300" cy="580"/>
-          </a:xfrm>
-        </p:grpSpPr>
-        <p:sp>
-          <p:nvSpPr>
-            <p:cNvPr id="21" name="L 形 20"/>
-            <p:cNvSpPr/>
-            <p:nvPr/>
-          </p:nvSpPr>
-          <p:spPr>
-            <a:xfrm>
-              <a:off x="3477" y="7986"/>
-              <a:ext cx="4019" cy="225"/>
-            </a:xfrm>
-            <a:prstGeom prst="corner">
-              <a:avLst/>
-            </a:prstGeom>
-            <a:solidFill>
-              <a:schemeClr val="accent5"/>
-            </a:solidFill>
-            <a:ln>
-              <a:noFill/>
-            </a:ln>
-          </p:spPr>
-          <p:style>
-            <a:lnRef idx="2">
-              <a:schemeClr val="accent1">
-                <a:shade val="50000"/>
-              </a:schemeClr>
-            </a:lnRef>
-            <a:fillRef idx="1">
-              <a:schemeClr val="accent1"/>
-            </a:fillRef>
-            <a:effectRef idx="0">
-              <a:schemeClr val="accent1"/>
-            </a:effectRef>
-            <a:fontRef idx="minor">
-              <a:schemeClr val="lt1"/>
-            </a:fontRef>
-          </p:style>
-          <p:txBody>
-            <a:bodyPr rtlCol="0" anchor="ctr"/>
-            <a:lstStyle/>
-            <a:p>
-              <a:pPr algn="ctr"/>
-              <a:endParaRPr lang="zh-CN" altLang="en-US"/>
-            </a:p>
-          </p:txBody>
-        </p:sp>
-        <p:sp>
-          <p:nvSpPr>
-            <p:cNvPr id="22" name="文本框 21"/>
-            <p:cNvSpPr txBox="1"/>
-            <p:nvPr/>
-          </p:nvSpPr>
-          <p:spPr>
-            <a:xfrm>
-              <a:off x="3195" y="7631"/>
-              <a:ext cx="565" cy="580"/>
-            </a:xfrm>
-            <a:prstGeom prst="rect">
-              <a:avLst/>
-            </a:prstGeom>
-            <a:solidFill>
-              <a:schemeClr val="accent5"/>
-            </a:solidFill>
-          </p:spPr>
-          <p:txBody>
-            <a:bodyPr wrap="none" rtlCol="0">
-              <a:spAutoFit/>
-            </a:bodyPr>
-            <a:lstStyle/>
-            <a:p>
-              <a:pPr algn="l">
-                <a:lnSpc>
-                  <a:spcPct val="130000"/>
-                </a:lnSpc>
-              </a:pPr>
-              <a:r>
-                <a:rPr lang="zh-CN" altLang="en-US" sz="1400" dirty="0" smtClean="0">
-                  <a:solidFill>
-                    <a:schemeClr val="tx2"/>
-                  </a:solidFill>
-                  <a:uFillTx/>
-                  <a:latin typeface="Arial" pitchFamily="34" charset="0"/>
-                  <a:ea typeface="微软雅黑" pitchFamily="34" charset="-122"/>
-                  <a:cs typeface="Arial" charset="0"/>
-                  <a:sym typeface="+mn-ea"/>
-                </a:rPr>
-                <a:t>▲</a:t>
-              </a:r>
-              <a:endParaRPr lang="zh-CN" altLang="en-US" sz="1400" dirty="0" smtClean="0">
-                <a:solidFill>
-                  <a:schemeClr val="tx2"/>
-                </a:solidFill>
-                <a:uFillTx/>
-                <a:latin typeface="Arial" pitchFamily="34" charset="0"/>
-                <a:ea typeface="微软雅黑" pitchFamily="34" charset="-122"/>
-                <a:cs typeface="Arial" charset="0"/>
-              </a:endParaRPr>
-            </a:p>
-          </p:txBody>
-        </p:sp>
-      </p:grpSp>
       <p:sp>
         <p:nvSpPr>
-          <p:cNvPr id="23" name="文本框 22"/>
+          <p:cNvPr id="28" name="文本框 27"/>
           <p:cNvSpPr txBox="1"/>
           <p:nvPr/>
         </p:nvSpPr>
         <p:spPr>
           <a:xfrm>
-            <a:off x="2778484" y="3934257"/>
-            <a:ext cx="2395791" cy="346313"/>
+            <a:off x="1156530" y="3325100"/>
+            <a:ext cx="4434840" cy="369332"/>
           </a:xfrm>
           <a:prstGeom prst="rect">
             <a:avLst/>
@@ -10018,188 +10462,11 @@
           </a:bodyPr>
           <a:lstStyle/>
           <a:p>
-            <a:pPr>
-              <a:lnSpc>
-                <a:spcPct val="130000"/>
-              </a:lnSpc>
-            </a:pPr>
-            <a:r>
-              <a:rPr lang="zh-CN" altLang="zh-CN" sz="1400" b="1" dirty="0">
-                <a:latin typeface="+mj-ea"/>
-                <a:ea typeface="+mj-ea"/>
-              </a:rPr>
-              <a:t>局部加权线性</a:t>
-            </a:r>
-            <a:r>
-              <a:rPr lang="zh-CN" altLang="zh-CN" sz="1400" b="1" dirty="0" smtClean="0">
-                <a:latin typeface="+mj-ea"/>
-                <a:ea typeface="+mj-ea"/>
-              </a:rPr>
-              <a:t>回归</a:t>
-            </a:r>
-            <a:r>
-              <a:rPr lang="zh-CN" altLang="en-US" sz="1400" b="1" dirty="0" smtClean="0">
-                <a:latin typeface="+mj-ea"/>
-                <a:ea typeface="+mj-ea"/>
-              </a:rPr>
-              <a:t>模型</a:t>
-            </a:r>
-            <a:endParaRPr kumimoji="1" lang="zh-CN" altLang="en-US" sz="1400" b="1" dirty="0" smtClean="0">
-              <a:latin typeface="+mj-ea"/>
-              <a:ea typeface="+mj-ea"/>
-            </a:endParaRPr>
-          </a:p>
-        </p:txBody>
-      </p:sp>
-      <p:grpSp>
-        <p:nvGrpSpPr>
-          <p:cNvPr id="24" name="组合 8"/>
-          <p:cNvGrpSpPr/>
-          <p:nvPr/>
-        </p:nvGrpSpPr>
-        <p:grpSpPr>
-          <a:xfrm>
-            <a:off x="2264070" y="4836493"/>
-            <a:ext cx="2730500" cy="368300"/>
-            <a:chOff x="3195" y="7631"/>
-            <a:chExt cx="4300" cy="580"/>
-          </a:xfrm>
-        </p:grpSpPr>
-        <p:sp>
-          <p:nvSpPr>
-            <p:cNvPr id="25" name="L 形 24"/>
-            <p:cNvSpPr/>
-            <p:nvPr/>
-          </p:nvSpPr>
-          <p:spPr>
-            <a:xfrm>
-              <a:off x="3477" y="7986"/>
-              <a:ext cx="4019" cy="225"/>
-            </a:xfrm>
-            <a:prstGeom prst="corner">
-              <a:avLst/>
-            </a:prstGeom>
-            <a:solidFill>
-              <a:schemeClr val="accent5"/>
-            </a:solidFill>
-            <a:ln>
-              <a:noFill/>
-            </a:ln>
-          </p:spPr>
-          <p:style>
-            <a:lnRef idx="2">
-              <a:schemeClr val="accent1">
-                <a:shade val="50000"/>
-              </a:schemeClr>
-            </a:lnRef>
-            <a:fillRef idx="1">
-              <a:schemeClr val="accent1"/>
-            </a:fillRef>
-            <a:effectRef idx="0">
-              <a:schemeClr val="accent1"/>
-            </a:effectRef>
-            <a:fontRef idx="minor">
-              <a:schemeClr val="lt1"/>
-            </a:fontRef>
-          </p:style>
-          <p:txBody>
-            <a:bodyPr rtlCol="0" anchor="ctr"/>
-            <a:lstStyle/>
-            <a:p>
-              <a:pPr algn="ctr"/>
-              <a:endParaRPr lang="zh-CN" altLang="en-US"/>
-            </a:p>
-          </p:txBody>
-        </p:sp>
-        <p:sp>
-          <p:nvSpPr>
-            <p:cNvPr id="26" name="文本框 25"/>
-            <p:cNvSpPr txBox="1"/>
-            <p:nvPr/>
-          </p:nvSpPr>
-          <p:spPr>
-            <a:xfrm>
-              <a:off x="3195" y="7631"/>
-              <a:ext cx="565" cy="580"/>
-            </a:xfrm>
-            <a:prstGeom prst="rect">
-              <a:avLst/>
-            </a:prstGeom>
-            <a:solidFill>
-              <a:schemeClr val="accent5"/>
-            </a:solidFill>
-          </p:spPr>
-          <p:txBody>
-            <a:bodyPr wrap="none" rtlCol="0">
-              <a:spAutoFit/>
-            </a:bodyPr>
-            <a:lstStyle/>
-            <a:p>
-              <a:pPr algn="l">
-                <a:lnSpc>
-                  <a:spcPct val="130000"/>
-                </a:lnSpc>
-              </a:pPr>
-              <a:r>
-                <a:rPr lang="zh-CN" altLang="en-US" sz="1400" dirty="0" smtClean="0">
-                  <a:solidFill>
-                    <a:schemeClr val="tx2"/>
-                  </a:solidFill>
-                  <a:uFillTx/>
-                  <a:latin typeface="Arial" pitchFamily="34" charset="0"/>
-                  <a:ea typeface="微软雅黑" pitchFamily="34" charset="-122"/>
-                  <a:cs typeface="Arial" charset="0"/>
-                  <a:sym typeface="+mn-ea"/>
-                </a:rPr>
-                <a:t>▲</a:t>
-              </a:r>
-              <a:endParaRPr lang="zh-CN" altLang="en-US" sz="1400" dirty="0" smtClean="0">
-                <a:solidFill>
-                  <a:schemeClr val="tx2"/>
-                </a:solidFill>
-                <a:uFillTx/>
-                <a:latin typeface="Arial" pitchFamily="34" charset="0"/>
-                <a:ea typeface="微软雅黑" pitchFamily="34" charset="-122"/>
-                <a:cs typeface="Arial" charset="0"/>
-              </a:endParaRPr>
-            </a:p>
-          </p:txBody>
-        </p:sp>
-      </p:grpSp>
-      <p:sp>
-        <p:nvSpPr>
-          <p:cNvPr id="27" name="文本框 26"/>
-          <p:cNvSpPr txBox="1"/>
-          <p:nvPr/>
-        </p:nvSpPr>
-        <p:spPr>
-          <a:xfrm>
-            <a:off x="2778484" y="4729500"/>
-            <a:ext cx="2149585" cy="344710"/>
-          </a:xfrm>
-          <a:prstGeom prst="rect">
-            <a:avLst/>
-          </a:prstGeom>
-          <a:noFill/>
-        </p:spPr>
-        <p:txBody>
-          <a:bodyPr wrap="square" rtlCol="0">
-            <a:spAutoFit/>
-          </a:bodyPr>
-          <a:lstStyle/>
-          <a:p>
-            <a:pPr>
-              <a:lnSpc>
-                <a:spcPct val="130000"/>
-              </a:lnSpc>
-            </a:pPr>
-            <a:r>
-              <a:rPr kumimoji="1" lang="zh-CN" altLang="en-US" sz="1400" dirty="0" smtClean="0">
-                <a:latin typeface="Arial" pitchFamily="34" charset="0"/>
-                <a:ea typeface="微软雅黑" pitchFamily="34" charset="-122"/>
-              </a:rPr>
-              <a:t>随机森林模型</a:t>
-            </a:r>
+            <a:r>
+              <a:rPr kumimoji="1" lang="zh-CN" altLang="en-US" b="1" dirty="0" smtClean="0"/>
+              <a:t>模型选取</a:t>
+            </a:r>
+            <a:endParaRPr kumimoji="1" lang="zh-CN" altLang="en-US" b="1" dirty="0"/>
           </a:p>
         </p:txBody>
       </p:sp>
@@ -10323,357 +10590,6 @@
                                         </p:cTn>
                                         <p:tgtEl>
                                           <p:spTgt spid="30"/>
-                                        </p:tgtEl>
-                                        <p:attrNameLst>
-                                          <p:attrName>ppt_y</p:attrName>
-                                        </p:attrNameLst>
-                                      </p:cBhvr>
-                                      <p:tavLst>
-                                        <p:tav tm="0">
-                                          <p:val>
-                                            <p:strVal val="#ppt_y-.03"/>
-                                          </p:val>
-                                        </p:tav>
-                                        <p:tav tm="100000">
-                                          <p:val>
-                                            <p:strVal val="#ppt_y"/>
-                                          </p:val>
-                                        </p:tav>
-                                      </p:tavLst>
-                                    </p:anim>
-                                  </p:childTnLst>
-                                </p:cTn>
-                              </p:par>
-                            </p:childTnLst>
-                          </p:cTn>
-                        </p:par>
-                        <p:par>
-                          <p:cTn id="11" fill="hold">
-                            <p:stCondLst>
-                              <p:cond delay="1000"/>
-                            </p:stCondLst>
-                            <p:childTnLst>
-                              <p:par>
-                                <p:cTn id="12" presetID="37" presetClass="entr" presetSubtype="0" fill="hold" nodeType="afterEffect">
-                                  <p:stCondLst>
-                                    <p:cond delay="0"/>
-                                  </p:stCondLst>
-                                  <p:childTnLst>
-                                    <p:set>
-                                      <p:cBhvr>
-                                        <p:cTn id="13" dur="1" fill="hold">
-                                          <p:stCondLst>
-                                            <p:cond delay="0"/>
-                                          </p:stCondLst>
-                                        </p:cTn>
-                                        <p:tgtEl>
-                                          <p:spTgt spid="16"/>
-                                        </p:tgtEl>
-                                        <p:attrNameLst>
-                                          <p:attrName>style.visibility</p:attrName>
-                                        </p:attrNameLst>
-                                      </p:cBhvr>
-                                      <p:to>
-                                        <p:strVal val="visible"/>
-                                      </p:to>
-                                    </p:set>
-                                    <p:animEffect transition="in" filter="fade">
-                                      <p:cBhvr>
-                                        <p:cTn id="14" dur="1000"/>
-                                        <p:tgtEl>
-                                          <p:spTgt spid="16"/>
-                                        </p:tgtEl>
-                                      </p:cBhvr>
-                                    </p:animEffect>
-                                    <p:anim calcmode="lin" valueType="num">
-                                      <p:cBhvr>
-                                        <p:cTn id="15" dur="1000" fill="hold"/>
-                                        <p:tgtEl>
-                                          <p:spTgt spid="16"/>
-                                        </p:tgtEl>
-                                        <p:attrNameLst>
-                                          <p:attrName>ppt_x</p:attrName>
-                                        </p:attrNameLst>
-                                      </p:cBhvr>
-                                      <p:tavLst>
-                                        <p:tav tm="0">
-                                          <p:val>
-                                            <p:strVal val="#ppt_x"/>
-                                          </p:val>
-                                        </p:tav>
-                                        <p:tav tm="100000">
-                                          <p:val>
-                                            <p:strVal val="#ppt_x"/>
-                                          </p:val>
-                                        </p:tav>
-                                      </p:tavLst>
-                                    </p:anim>
-                                    <p:anim calcmode="lin" valueType="num">
-                                      <p:cBhvr>
-                                        <p:cTn id="16" dur="900" decel="100000" fill="hold"/>
-                                        <p:tgtEl>
-                                          <p:spTgt spid="16"/>
-                                        </p:tgtEl>
-                                        <p:attrNameLst>
-                                          <p:attrName>ppt_y</p:attrName>
-                                        </p:attrNameLst>
-                                      </p:cBhvr>
-                                      <p:tavLst>
-                                        <p:tav tm="0">
-                                          <p:val>
-                                            <p:strVal val="#ppt_y+1"/>
-                                          </p:val>
-                                        </p:tav>
-                                        <p:tav tm="100000">
-                                          <p:val>
-                                            <p:strVal val="#ppt_y-.03"/>
-                                          </p:val>
-                                        </p:tav>
-                                      </p:tavLst>
-                                    </p:anim>
-                                    <p:anim calcmode="lin" valueType="num">
-                                      <p:cBhvr>
-                                        <p:cTn id="17" dur="100" accel="100000" fill="hold">
-                                          <p:stCondLst>
-                                            <p:cond delay="900"/>
-                                          </p:stCondLst>
-                                        </p:cTn>
-                                        <p:tgtEl>
-                                          <p:spTgt spid="16"/>
-                                        </p:tgtEl>
-                                        <p:attrNameLst>
-                                          <p:attrName>ppt_y</p:attrName>
-                                        </p:attrNameLst>
-                                      </p:cBhvr>
-                                      <p:tavLst>
-                                        <p:tav tm="0">
-                                          <p:val>
-                                            <p:strVal val="#ppt_y-.03"/>
-                                          </p:val>
-                                        </p:tav>
-                                        <p:tav tm="100000">
-                                          <p:val>
-                                            <p:strVal val="#ppt_y"/>
-                                          </p:val>
-                                        </p:tav>
-                                      </p:tavLst>
-                                    </p:anim>
-                                  </p:childTnLst>
-                                </p:cTn>
-                              </p:par>
-                            </p:childTnLst>
-                          </p:cTn>
-                        </p:par>
-                        <p:par>
-                          <p:cTn id="18" fill="hold">
-                            <p:stCondLst>
-                              <p:cond delay="2000"/>
-                            </p:stCondLst>
-                            <p:childTnLst>
-                              <p:par>
-                                <p:cTn id="19" presetID="37" presetClass="entr" presetSubtype="0" fill="hold" nodeType="afterEffect">
-                                  <p:stCondLst>
-                                    <p:cond delay="0"/>
-                                  </p:stCondLst>
-                                  <p:childTnLst>
-                                    <p:set>
-                                      <p:cBhvr>
-                                        <p:cTn id="20" dur="1" fill="hold">
-                                          <p:stCondLst>
-                                            <p:cond delay="0"/>
-                                          </p:stCondLst>
-                                        </p:cTn>
-                                        <p:tgtEl>
-                                          <p:spTgt spid="20"/>
-                                        </p:tgtEl>
-                                        <p:attrNameLst>
-                                          <p:attrName>style.visibility</p:attrName>
-                                        </p:attrNameLst>
-                                      </p:cBhvr>
-                                      <p:to>
-                                        <p:strVal val="visible"/>
-                                      </p:to>
-                                    </p:set>
-                                    <p:animEffect transition="in" filter="fade">
-                                      <p:cBhvr>
-                                        <p:cTn id="21" dur="1000"/>
-                                        <p:tgtEl>
-                                          <p:spTgt spid="20"/>
-                                        </p:tgtEl>
-                                      </p:cBhvr>
-                                    </p:animEffect>
-                                    <p:anim calcmode="lin" valueType="num">
-                                      <p:cBhvr>
-                                        <p:cTn id="22" dur="1000" fill="hold"/>
-                                        <p:tgtEl>
-                                          <p:spTgt spid="20"/>
-                                        </p:tgtEl>
-                                        <p:attrNameLst>
-                                          <p:attrName>ppt_x</p:attrName>
-                                        </p:attrNameLst>
-                                      </p:cBhvr>
-                                      <p:tavLst>
-                                        <p:tav tm="0">
-                                          <p:val>
-                                            <p:strVal val="#ppt_x"/>
-                                          </p:val>
-                                        </p:tav>
-                                        <p:tav tm="100000">
-                                          <p:val>
-                                            <p:strVal val="#ppt_x"/>
-                                          </p:val>
-                                        </p:tav>
-                                      </p:tavLst>
-                                    </p:anim>
-                                    <p:anim calcmode="lin" valueType="num">
-                                      <p:cBhvr>
-                                        <p:cTn id="23" dur="900" decel="100000" fill="hold"/>
-                                        <p:tgtEl>
-                                          <p:spTgt spid="20"/>
-                                        </p:tgtEl>
-                                        <p:attrNameLst>
-                                          <p:attrName>ppt_y</p:attrName>
-                                        </p:attrNameLst>
-                                      </p:cBhvr>
-                                      <p:tavLst>
-                                        <p:tav tm="0">
-                                          <p:val>
-                                            <p:strVal val="#ppt_y+1"/>
-                                          </p:val>
-                                        </p:tav>
-                                        <p:tav tm="100000">
-                                          <p:val>
-                                            <p:strVal val="#ppt_y-.03"/>
-                                          </p:val>
-                                        </p:tav>
-                                      </p:tavLst>
-                                    </p:anim>
-                                    <p:anim calcmode="lin" valueType="num">
-                                      <p:cBhvr>
-                                        <p:cTn id="24" dur="100" accel="100000" fill="hold">
-                                          <p:stCondLst>
-                                            <p:cond delay="900"/>
-                                          </p:stCondLst>
-                                        </p:cTn>
-                                        <p:tgtEl>
-                                          <p:spTgt spid="20"/>
-                                        </p:tgtEl>
-                                        <p:attrNameLst>
-                                          <p:attrName>ppt_y</p:attrName>
-                                        </p:attrNameLst>
-                                      </p:cBhvr>
-                                      <p:tavLst>
-                                        <p:tav tm="0">
-                                          <p:val>
-                                            <p:strVal val="#ppt_y-.03"/>
-                                          </p:val>
-                                        </p:tav>
-                                        <p:tav tm="100000">
-                                          <p:val>
-                                            <p:strVal val="#ppt_y"/>
-                                          </p:val>
-                                        </p:tav>
-                                      </p:tavLst>
-                                    </p:anim>
-                                  </p:childTnLst>
-                                </p:cTn>
-                              </p:par>
-                            </p:childTnLst>
-                          </p:cTn>
-                        </p:par>
-                        <p:par>
-                          <p:cTn id="25" fill="hold">
-                            <p:stCondLst>
-                              <p:cond delay="3000"/>
-                            </p:stCondLst>
-                            <p:childTnLst>
-                              <p:par>
-                                <p:cTn id="26" presetID="37" presetClass="entr" presetSubtype="0" fill="hold" nodeType="afterEffect">
-                                  <p:stCondLst>
-                                    <p:cond delay="0"/>
-                                  </p:stCondLst>
-                                  <p:childTnLst>
-                                    <p:set>
-                                      <p:cBhvr>
-                                        <p:cTn id="27" dur="1" fill="hold">
-                                          <p:stCondLst>
-                                            <p:cond delay="0"/>
-                                          </p:stCondLst>
-                                        </p:cTn>
-                                        <p:tgtEl>
-                                          <p:spTgt spid="24"/>
-                                        </p:tgtEl>
-                                        <p:attrNameLst>
-                                          <p:attrName>style.visibility</p:attrName>
-                                        </p:attrNameLst>
-                                      </p:cBhvr>
-                                      <p:to>
-                                        <p:strVal val="visible"/>
-                                      </p:to>
-                                    </p:set>
-                                    <p:animEffect transition="in" filter="fade">
-                                      <p:cBhvr>
-                                        <p:cTn id="28" dur="1000"/>
-                                        <p:tgtEl>
-                                          <p:spTgt spid="24"/>
-                                        </p:tgtEl>
-                                      </p:cBhvr>
-                                    </p:animEffect>
-                                    <p:anim calcmode="lin" valueType="num">
-                                      <p:cBhvr>
-                                        <p:cTn id="29" dur="1000" fill="hold"/>
-                                        <p:tgtEl>
-                                          <p:spTgt spid="24"/>
-                                        </p:tgtEl>
-                                        <p:attrNameLst>
-                                          <p:attrName>ppt_x</p:attrName>
-                                        </p:attrNameLst>
-                                      </p:cBhvr>
-                                      <p:tavLst>
-                                        <p:tav tm="0">
-                                          <p:val>
-                                            <p:strVal val="#ppt_x"/>
-                                          </p:val>
-                                        </p:tav>
-                                        <p:tav tm="100000">
-                                          <p:val>
-                                            <p:strVal val="#ppt_x"/>
-                                          </p:val>
-                                        </p:tav>
-                                      </p:tavLst>
-                                    </p:anim>
-                                    <p:anim calcmode="lin" valueType="num">
-                                      <p:cBhvr>
-                                        <p:cTn id="30" dur="900" decel="100000" fill="hold"/>
-                                        <p:tgtEl>
-                                          <p:spTgt spid="24"/>
-                                        </p:tgtEl>
-                                        <p:attrNameLst>
-                                          <p:attrName>ppt_y</p:attrName>
-                                        </p:attrNameLst>
-                                      </p:cBhvr>
-                                      <p:tavLst>
-                                        <p:tav tm="0">
-                                          <p:val>
-                                            <p:strVal val="#ppt_y+1"/>
-                                          </p:val>
-                                        </p:tav>
-                                        <p:tav tm="100000">
-                                          <p:val>
-                                            <p:strVal val="#ppt_y-.03"/>
-                                          </p:val>
-                                        </p:tav>
-                                      </p:tavLst>
-                                    </p:anim>
-                                    <p:anim calcmode="lin" valueType="num">
-                                      <p:cBhvr>
-                                        <p:cTn id="31" dur="100" accel="100000" fill="hold">
-                                          <p:stCondLst>
-                                            <p:cond delay="900"/>
-                                          </p:stCondLst>
-                                        </p:cTn>
-                                        <p:tgtEl>
-                                          <p:spTgt spid="24"/>
                                         </p:tgtEl>
                                         <p:attrNameLst>
                                           <p:attrName>ppt_y</p:attrName>
